--- a/static/img/headers/Presentation3.pptx
+++ b/static/img/headers/Presentation3.pptx
@@ -107,6 +107,11 @@
       </a:defRPr>
     </a:lvl9pPr>
   </p:defaultTextStyle>
+  <p:extLst>
+    <p:ext uri="{EFAFB233-063F-42B5-8137-9DF3F51BA10A}">
+      <p15:sldGuideLst xmlns:p15="http://schemas.microsoft.com/office/powerpoint/2012/main"/>
+    </p:ext>
+  </p:extLst>
 </p:presentation>
 </file>
 
@@ -192,7 +197,7 @@
           <a:p>
             <a:fld id="{ED033B87-D34E-BC49-87DE-66A4A9D04912}" type="datetimeFigureOut">
               <a:rPr lang="en-US" smtClean="0"/>
-              <a:t>7/29/17</a:t>
+              <a:t>8/6/17</a:t>
             </a:fld>
             <a:endParaRPr lang="en-US"/>
           </a:p>
@@ -615,7 +620,7 @@
           <a:p>
             <a:fld id="{9F3475F3-D2A5-1841-8A19-2F7DAAD1F586}" type="datetimeFigureOut">
               <a:rPr lang="en-US" smtClean="0"/>
-              <a:t>7/29/17</a:t>
+              <a:t>8/6/17</a:t>
             </a:fld>
             <a:endParaRPr lang="en-US"/>
           </a:p>
@@ -785,7 +790,7 @@
           <a:p>
             <a:fld id="{9F3475F3-D2A5-1841-8A19-2F7DAAD1F586}" type="datetimeFigureOut">
               <a:rPr lang="en-US" smtClean="0"/>
-              <a:t>7/29/17</a:t>
+              <a:t>8/6/17</a:t>
             </a:fld>
             <a:endParaRPr lang="en-US"/>
           </a:p>
@@ -960,7 +965,7 @@
           <a:p>
             <a:fld id="{9F3475F3-D2A5-1841-8A19-2F7DAAD1F586}" type="datetimeFigureOut">
               <a:rPr lang="en-US" smtClean="0"/>
-              <a:t>7/29/17</a:t>
+              <a:t>8/6/17</a:t>
             </a:fld>
             <a:endParaRPr lang="en-US"/>
           </a:p>
@@ -1130,7 +1135,7 @@
           <a:p>
             <a:fld id="{9F3475F3-D2A5-1841-8A19-2F7DAAD1F586}" type="datetimeFigureOut">
               <a:rPr lang="en-US" smtClean="0"/>
-              <a:t>7/29/17</a:t>
+              <a:t>8/6/17</a:t>
             </a:fld>
             <a:endParaRPr lang="en-US"/>
           </a:p>
@@ -1385,7 +1390,7 @@
           <a:p>
             <a:fld id="{9F3475F3-D2A5-1841-8A19-2F7DAAD1F586}" type="datetimeFigureOut">
               <a:rPr lang="en-US" smtClean="0"/>
-              <a:t>7/29/17</a:t>
+              <a:t>8/6/17</a:t>
             </a:fld>
             <a:endParaRPr lang="en-US"/>
           </a:p>
@@ -1617,7 +1622,7 @@
           <a:p>
             <a:fld id="{9F3475F3-D2A5-1841-8A19-2F7DAAD1F586}" type="datetimeFigureOut">
               <a:rPr lang="en-US" smtClean="0"/>
-              <a:t>7/29/17</a:t>
+              <a:t>8/6/17</a:t>
             </a:fld>
             <a:endParaRPr lang="en-US"/>
           </a:p>
@@ -1967,7 +1972,7 @@
           <a:p>
             <a:fld id="{9F3475F3-D2A5-1841-8A19-2F7DAAD1F586}" type="datetimeFigureOut">
               <a:rPr lang="en-US" smtClean="0"/>
-              <a:t>7/29/17</a:t>
+              <a:t>8/6/17</a:t>
             </a:fld>
             <a:endParaRPr lang="en-US"/>
           </a:p>
@@ -2103,7 +2108,7 @@
           <a:p>
             <a:fld id="{9F3475F3-D2A5-1841-8A19-2F7DAAD1F586}" type="datetimeFigureOut">
               <a:rPr lang="en-US" smtClean="0"/>
-              <a:t>7/29/17</a:t>
+              <a:t>8/6/17</a:t>
             </a:fld>
             <a:endParaRPr lang="en-US"/>
           </a:p>
@@ -2193,7 +2198,7 @@
           <a:p>
             <a:fld id="{9F3475F3-D2A5-1841-8A19-2F7DAAD1F586}" type="datetimeFigureOut">
               <a:rPr lang="en-US" smtClean="0"/>
-              <a:t>7/29/17</a:t>
+              <a:t>8/6/17</a:t>
             </a:fld>
             <a:endParaRPr lang="en-US"/>
           </a:p>
@@ -2550,7 +2555,7 @@
           <a:p>
             <a:fld id="{9F3475F3-D2A5-1841-8A19-2F7DAAD1F586}" type="datetimeFigureOut">
               <a:rPr lang="en-US" smtClean="0"/>
-              <a:t>7/29/17</a:t>
+              <a:t>8/6/17</a:t>
             </a:fld>
             <a:endParaRPr lang="en-US"/>
           </a:p>
@@ -2868,7 +2873,7 @@
           <a:p>
             <a:fld id="{9F3475F3-D2A5-1841-8A19-2F7DAAD1F586}" type="datetimeFigureOut">
               <a:rPr lang="en-US" smtClean="0"/>
-              <a:t>7/29/17</a:t>
+              <a:t>8/6/17</a:t>
             </a:fld>
             <a:endParaRPr lang="en-US"/>
           </a:p>
@@ -3112,7 +3117,7 @@
           <a:p>
             <a:fld id="{9F3475F3-D2A5-1841-8A19-2F7DAAD1F586}" type="datetimeFigureOut">
               <a:rPr lang="en-US" smtClean="0"/>
-              <a:t>7/29/17</a:t>
+              <a:t>8/6/17</a:t>
             </a:fld>
             <a:endParaRPr lang="en-US"/>
           </a:p>
@@ -3601,1773 +3606,27 @@
           <a:chExt cx="0" cy="0"/>
         </a:xfrm>
       </p:grpSpPr>
-      <p:grpSp>
-        <p:nvGrpSpPr>
-          <p:cNvPr id="38" name="Group 37"/>
-          <p:cNvGrpSpPr/>
-          <p:nvPr/>
-        </p:nvGrpSpPr>
-        <p:grpSpPr>
-          <a:xfrm>
-            <a:off x="9393539" y="717550"/>
-            <a:ext cx="8719552" cy="5217892"/>
-            <a:chOff x="1773538" y="717550"/>
-            <a:chExt cx="8719553" cy="5217892"/>
-          </a:xfrm>
-        </p:grpSpPr>
-        <p:sp>
-          <p:nvSpPr>
-            <p:cNvPr id="6" name="TextBox 5"/>
-            <p:cNvSpPr txBox="1">
-              <a:spLocks noChangeArrowheads="1"/>
-            </p:cNvSpPr>
-            <p:nvPr/>
-          </p:nvSpPr>
-          <p:spPr bwMode="auto">
-            <a:xfrm>
-              <a:off x="5178726" y="792163"/>
-              <a:ext cx="1597025" cy="584775"/>
-            </a:xfrm>
-            <a:prstGeom prst="rect">
-              <a:avLst/>
-            </a:prstGeom>
-            <a:gradFill rotWithShape="1">
-              <a:gsLst>
-                <a:gs pos="0">
-                  <a:srgbClr val="E3F0FF"/>
-                </a:gs>
-                <a:gs pos="64999">
-                  <a:srgbClr val="BAD9FF"/>
-                </a:gs>
-                <a:gs pos="100000">
-                  <a:srgbClr val="9BC9FF"/>
-                </a:gs>
-              </a:gsLst>
-              <a:lin ang="5400000" scaled="1"/>
-            </a:gradFill>
-            <a:ln w="9525">
-              <a:solidFill>
-                <a:srgbClr val="2D81BD"/>
-              </a:solidFill>
-              <a:miter lim="800000"/>
-              <a:headEnd/>
-              <a:tailEnd/>
-            </a:ln>
-            <a:effectLst>
-              <a:outerShdw blurRad="40000" dist="20000" dir="5400000" rotWithShape="0">
-                <a:srgbClr val="000000">
-                  <a:alpha val="37999"/>
-                </a:srgbClr>
-              </a:outerShdw>
-            </a:effectLst>
-          </p:spPr>
-          <p:txBody>
-            <a:bodyPr>
-              <a:spAutoFit/>
-            </a:bodyPr>
-            <a:lstStyle/>
-            <a:p>
-              <a:pPr algn="ctr">
-                <a:defRPr/>
-              </a:pPr>
-              <a:r>
-                <a:rPr lang="en-US" sz="1600" dirty="0">
-                  <a:solidFill>
-                    <a:schemeClr val="dk1"/>
-                  </a:solidFill>
-                </a:rPr>
-                <a:t>Rare </a:t>
-              </a:r>
-              <a:r>
-                <a:rPr lang="en-US" sz="1600" i="1" dirty="0">
-                  <a:solidFill>
-                    <a:schemeClr val="dk1"/>
-                  </a:solidFill>
-                </a:rPr>
-                <a:t>de novo</a:t>
-              </a:r>
-              <a:r>
-                <a:rPr lang="en-US" sz="1600" dirty="0">
-                  <a:solidFill>
-                    <a:schemeClr val="dk1"/>
-                  </a:solidFill>
-                </a:rPr>
-                <a:t> variation</a:t>
-              </a:r>
-            </a:p>
-          </p:txBody>
-        </p:sp>
-        <p:sp>
-          <p:nvSpPr>
-            <p:cNvPr id="7" name="TextBox 6"/>
-            <p:cNvSpPr txBox="1">
-              <a:spLocks noChangeArrowheads="1"/>
-            </p:cNvSpPr>
-            <p:nvPr/>
-          </p:nvSpPr>
-          <p:spPr bwMode="auto">
-            <a:xfrm>
-              <a:off x="7447263" y="801688"/>
-              <a:ext cx="1762125" cy="584775"/>
-            </a:xfrm>
-            <a:prstGeom prst="rect">
-              <a:avLst/>
-            </a:prstGeom>
-            <a:gradFill rotWithShape="1">
-              <a:gsLst>
-                <a:gs pos="0">
-                  <a:srgbClr val="E3F0FF"/>
-                </a:gs>
-                <a:gs pos="64999">
-                  <a:srgbClr val="BAD9FF"/>
-                </a:gs>
-                <a:gs pos="100000">
-                  <a:srgbClr val="9BC9FF"/>
-                </a:gs>
-              </a:gsLst>
-              <a:lin ang="5400000" scaled="1"/>
-            </a:gradFill>
-            <a:ln w="9525">
-              <a:solidFill>
-                <a:srgbClr val="2D81BD"/>
-              </a:solidFill>
-              <a:miter lim="800000"/>
-              <a:headEnd/>
-              <a:tailEnd/>
-            </a:ln>
-            <a:effectLst>
-              <a:outerShdw blurRad="40000" dist="20000" dir="5400000" rotWithShape="0">
-                <a:srgbClr val="000000">
-                  <a:alpha val="37999"/>
-                </a:srgbClr>
-              </a:outerShdw>
-            </a:effectLst>
-          </p:spPr>
-          <p:txBody>
-            <a:bodyPr>
-              <a:spAutoFit/>
-            </a:bodyPr>
-            <a:lstStyle/>
-            <a:p>
-              <a:pPr algn="ctr">
-                <a:defRPr/>
-              </a:pPr>
-              <a:r>
-                <a:rPr lang="en-US" sz="1600" dirty="0">
-                  <a:solidFill>
-                    <a:schemeClr val="dk1"/>
-                  </a:solidFill>
-                </a:rPr>
-                <a:t>Common Genetic Variation</a:t>
-              </a:r>
-            </a:p>
-          </p:txBody>
-        </p:sp>
-        <p:cxnSp>
-          <p:nvCxnSpPr>
-            <p:cNvPr id="8" name="Straight Arrow Connector 7"/>
-            <p:cNvCxnSpPr>
-              <a:cxnSpLocks noChangeShapeType="1"/>
-            </p:cNvCxnSpPr>
-            <p:nvPr/>
-          </p:nvCxnSpPr>
-          <p:spPr bwMode="auto">
-            <a:xfrm>
-              <a:off x="5970888" y="1377950"/>
-              <a:ext cx="885825" cy="901700"/>
-            </a:xfrm>
-            <a:prstGeom prst="straightConnector1">
-              <a:avLst/>
-            </a:prstGeom>
-            <a:noFill/>
-            <a:ln w="38100">
-              <a:solidFill>
-                <a:schemeClr val="accent1"/>
-              </a:solidFill>
-              <a:round/>
-              <a:headEnd/>
-              <a:tailEnd type="arrow" w="med" len="med"/>
-            </a:ln>
-            <a:effectLst>
-              <a:outerShdw blurRad="40000" dist="20000" dir="5400000" rotWithShape="0">
-                <a:srgbClr val="000000">
-                  <a:alpha val="37999"/>
-                </a:srgbClr>
-              </a:outerShdw>
-            </a:effectLst>
-            <a:extLst>
-              <a:ext uri="{909E8E84-426E-40DD-AFC4-6F175D3DCCD1}">
-                <a14:hiddenFill xmlns:a14="http://schemas.microsoft.com/office/drawing/2010/main">
-                  <a:noFill/>
-                </a14:hiddenFill>
-              </a:ext>
-            </a:extLst>
-          </p:spPr>
-        </p:cxnSp>
-        <p:grpSp>
-          <p:nvGrpSpPr>
-            <p:cNvPr id="9" name="Group 7"/>
-            <p:cNvGrpSpPr>
-              <a:grpSpLocks/>
-            </p:cNvGrpSpPr>
-            <p:nvPr/>
-          </p:nvGrpSpPr>
-          <p:grpSpPr bwMode="auto">
-            <a:xfrm>
-              <a:off x="7180563" y="1363663"/>
-              <a:ext cx="1620838" cy="904875"/>
-              <a:chOff x="5087519" y="1617134"/>
-              <a:chExt cx="1567511" cy="1173361"/>
-            </a:xfrm>
-          </p:grpSpPr>
-          <p:cxnSp>
-            <p:nvCxnSpPr>
-              <p:cNvPr id="10" name="Straight Arrow Connector 9"/>
-              <p:cNvCxnSpPr>
-                <a:cxnSpLocks noChangeShapeType="1"/>
-              </p:cNvCxnSpPr>
-              <p:nvPr/>
-            </p:nvCxnSpPr>
-            <p:spPr bwMode="auto">
-              <a:xfrm flipH="1">
-                <a:off x="5087519" y="1617134"/>
-                <a:ext cx="514816" cy="1143396"/>
-              </a:xfrm>
-              <a:prstGeom prst="straightConnector1">
-                <a:avLst/>
-              </a:prstGeom>
-              <a:noFill/>
-              <a:ln w="12700">
-                <a:solidFill>
-                  <a:schemeClr val="accent1"/>
-                </a:solidFill>
-                <a:round/>
-                <a:headEnd/>
-                <a:tailEnd type="arrow" w="med" len="med"/>
-              </a:ln>
-              <a:effectLst>
-                <a:outerShdw blurRad="40000" dist="20000" dir="5400000" rotWithShape="0">
-                  <a:srgbClr val="000000">
-                    <a:alpha val="37999"/>
-                  </a:srgbClr>
-                </a:outerShdw>
-              </a:effectLst>
-              <a:extLst>
-                <a:ext uri="{909E8E84-426E-40DD-AFC4-6F175D3DCCD1}">
-                  <a14:hiddenFill xmlns:a14="http://schemas.microsoft.com/office/drawing/2010/main">
-                    <a:noFill/>
-                  </a14:hiddenFill>
-                </a:ext>
-              </a:extLst>
-            </p:spPr>
-          </p:cxnSp>
-          <p:cxnSp>
-            <p:nvCxnSpPr>
-              <p:cNvPr id="11" name="Straight Arrow Connector 10"/>
-              <p:cNvCxnSpPr>
-                <a:cxnSpLocks noChangeShapeType="1"/>
-              </p:cNvCxnSpPr>
-              <p:nvPr/>
-            </p:nvCxnSpPr>
-            <p:spPr bwMode="auto">
-              <a:xfrm flipH="1">
-                <a:off x="5298058" y="1629977"/>
-                <a:ext cx="514816" cy="1143396"/>
-              </a:xfrm>
-              <a:prstGeom prst="straightConnector1">
-                <a:avLst/>
-              </a:prstGeom>
-              <a:noFill/>
-              <a:ln w="12700">
-                <a:solidFill>
-                  <a:schemeClr val="accent1"/>
-                </a:solidFill>
-                <a:round/>
-                <a:headEnd/>
-                <a:tailEnd type="arrow" w="med" len="med"/>
-              </a:ln>
-              <a:effectLst>
-                <a:outerShdw blurRad="40000" dist="20000" dir="5400000" rotWithShape="0">
-                  <a:srgbClr val="000000">
-                    <a:alpha val="37999"/>
-                  </a:srgbClr>
-                </a:outerShdw>
-              </a:effectLst>
-              <a:extLst>
-                <a:ext uri="{909E8E84-426E-40DD-AFC4-6F175D3DCCD1}">
-                  <a14:hiddenFill xmlns:a14="http://schemas.microsoft.com/office/drawing/2010/main">
-                    <a:noFill/>
-                  </a14:hiddenFill>
-                </a:ext>
-              </a:extLst>
-            </p:spPr>
-          </p:cxnSp>
-          <p:cxnSp>
-            <p:nvCxnSpPr>
-              <p:cNvPr id="12" name="Straight Arrow Connector 11"/>
-              <p:cNvCxnSpPr>
-                <a:cxnSpLocks noChangeShapeType="1"/>
-              </p:cNvCxnSpPr>
-              <p:nvPr/>
-            </p:nvCxnSpPr>
-            <p:spPr bwMode="auto">
-              <a:xfrm flipH="1">
-                <a:off x="5508597" y="1647099"/>
-                <a:ext cx="514816" cy="1143396"/>
-              </a:xfrm>
-              <a:prstGeom prst="straightConnector1">
-                <a:avLst/>
-              </a:prstGeom>
-              <a:noFill/>
-              <a:ln w="12700">
-                <a:solidFill>
-                  <a:schemeClr val="accent1"/>
-                </a:solidFill>
-                <a:round/>
-                <a:headEnd/>
-                <a:tailEnd type="arrow" w="med" len="med"/>
-              </a:ln>
-              <a:effectLst>
-                <a:outerShdw blurRad="40000" dist="20000" dir="5400000" rotWithShape="0">
-                  <a:srgbClr val="000000">
-                    <a:alpha val="37999"/>
-                  </a:srgbClr>
-                </a:outerShdw>
-              </a:effectLst>
-              <a:extLst>
-                <a:ext uri="{909E8E84-426E-40DD-AFC4-6F175D3DCCD1}">
-                  <a14:hiddenFill xmlns:a14="http://schemas.microsoft.com/office/drawing/2010/main">
-                    <a:noFill/>
-                  </a14:hiddenFill>
-                </a:ext>
-              </a:extLst>
-            </p:spPr>
-          </p:cxnSp>
-          <p:cxnSp>
-            <p:nvCxnSpPr>
-              <p:cNvPr id="13" name="Straight Arrow Connector 12"/>
-              <p:cNvCxnSpPr>
-                <a:cxnSpLocks noChangeShapeType="1"/>
-              </p:cNvCxnSpPr>
-              <p:nvPr/>
-            </p:nvCxnSpPr>
-            <p:spPr bwMode="auto">
-              <a:xfrm flipH="1">
-                <a:off x="5719136" y="1634258"/>
-                <a:ext cx="514816" cy="1143396"/>
-              </a:xfrm>
-              <a:prstGeom prst="straightConnector1">
-                <a:avLst/>
-              </a:prstGeom>
-              <a:noFill/>
-              <a:ln w="12700">
-                <a:solidFill>
-                  <a:schemeClr val="accent1"/>
-                </a:solidFill>
-                <a:round/>
-                <a:headEnd/>
-                <a:tailEnd type="arrow" w="med" len="med"/>
-              </a:ln>
-              <a:effectLst>
-                <a:outerShdw blurRad="40000" dist="20000" dir="5400000" rotWithShape="0">
-                  <a:srgbClr val="000000">
-                    <a:alpha val="37999"/>
-                  </a:srgbClr>
-                </a:outerShdw>
-              </a:effectLst>
-              <a:extLst>
-                <a:ext uri="{909E8E84-426E-40DD-AFC4-6F175D3DCCD1}">
-                  <a14:hiddenFill xmlns:a14="http://schemas.microsoft.com/office/drawing/2010/main">
-                    <a:noFill/>
-                  </a14:hiddenFill>
-                </a:ext>
-              </a:extLst>
-            </p:spPr>
-          </p:cxnSp>
-          <p:cxnSp>
-            <p:nvCxnSpPr>
-              <p:cNvPr id="14" name="Straight Arrow Connector 13"/>
-              <p:cNvCxnSpPr>
-                <a:cxnSpLocks noChangeShapeType="1"/>
-              </p:cNvCxnSpPr>
-              <p:nvPr/>
-            </p:nvCxnSpPr>
-            <p:spPr bwMode="auto">
-              <a:xfrm flipH="1">
-                <a:off x="5929675" y="1621415"/>
-                <a:ext cx="514816" cy="1143396"/>
-              </a:xfrm>
-              <a:prstGeom prst="straightConnector1">
-                <a:avLst/>
-              </a:prstGeom>
-              <a:noFill/>
-              <a:ln w="12700">
-                <a:solidFill>
-                  <a:schemeClr val="accent1"/>
-                </a:solidFill>
-                <a:round/>
-                <a:headEnd/>
-                <a:tailEnd type="arrow" w="med" len="med"/>
-              </a:ln>
-              <a:effectLst>
-                <a:outerShdw blurRad="40000" dist="20000" dir="5400000" rotWithShape="0">
-                  <a:srgbClr val="000000">
-                    <a:alpha val="37999"/>
-                  </a:srgbClr>
-                </a:outerShdw>
-              </a:effectLst>
-              <a:extLst>
-                <a:ext uri="{909E8E84-426E-40DD-AFC4-6F175D3DCCD1}">
-                  <a14:hiddenFill xmlns:a14="http://schemas.microsoft.com/office/drawing/2010/main">
-                    <a:noFill/>
-                  </a14:hiddenFill>
-                </a:ext>
-              </a:extLst>
-            </p:spPr>
-          </p:cxnSp>
-          <p:cxnSp>
-            <p:nvCxnSpPr>
-              <p:cNvPr id="15" name="Straight Arrow Connector 14"/>
-              <p:cNvCxnSpPr>
-                <a:cxnSpLocks noChangeShapeType="1"/>
-              </p:cNvCxnSpPr>
-              <p:nvPr/>
-            </p:nvCxnSpPr>
-            <p:spPr bwMode="auto">
-              <a:xfrm flipH="1">
-                <a:off x="6140214" y="1638539"/>
-                <a:ext cx="514816" cy="1143396"/>
-              </a:xfrm>
-              <a:prstGeom prst="straightConnector1">
-                <a:avLst/>
-              </a:prstGeom>
-              <a:noFill/>
-              <a:ln w="12700">
-                <a:solidFill>
-                  <a:schemeClr val="accent1"/>
-                </a:solidFill>
-                <a:round/>
-                <a:headEnd/>
-                <a:tailEnd type="arrow" w="med" len="med"/>
-              </a:ln>
-              <a:effectLst>
-                <a:outerShdw blurRad="40000" dist="20000" dir="5400000" rotWithShape="0">
-                  <a:srgbClr val="000000">
-                    <a:alpha val="37999"/>
-                  </a:srgbClr>
-                </a:outerShdw>
-              </a:effectLst>
-              <a:extLst>
-                <a:ext uri="{909E8E84-426E-40DD-AFC4-6F175D3DCCD1}">
-                  <a14:hiddenFill xmlns:a14="http://schemas.microsoft.com/office/drawing/2010/main">
-                    <a:noFill/>
-                  </a14:hiddenFill>
-                </a:ext>
-              </a:extLst>
-            </p:spPr>
-          </p:cxnSp>
-        </p:grpSp>
-        <p:sp>
-          <p:nvSpPr>
-            <p:cNvPr id="16" name="TextBox 15"/>
-            <p:cNvSpPr txBox="1">
-              <a:spLocks noChangeArrowheads="1"/>
-            </p:cNvSpPr>
-            <p:nvPr/>
-          </p:nvSpPr>
-          <p:spPr bwMode="auto">
-            <a:xfrm>
-              <a:off x="6683676" y="2371725"/>
-              <a:ext cx="1676400" cy="646331"/>
-            </a:xfrm>
-            <a:prstGeom prst="rect">
-              <a:avLst/>
-            </a:prstGeom>
-            <a:gradFill rotWithShape="1">
-              <a:gsLst>
-                <a:gs pos="0">
-                  <a:srgbClr val="FFFF80"/>
-                </a:gs>
-                <a:gs pos="50000">
-                  <a:srgbClr val="FFFFB3"/>
-                </a:gs>
-                <a:gs pos="100000">
-                  <a:srgbClr val="FFFFDA"/>
-                </a:gs>
-              </a:gsLst>
-              <a:lin ang="5400000" scaled="1"/>
-            </a:gradFill>
-            <a:ln w="9525">
-              <a:solidFill>
-                <a:srgbClr val="2D81BD"/>
-              </a:solidFill>
-              <a:miter lim="800000"/>
-              <a:headEnd/>
-              <a:tailEnd/>
-            </a:ln>
-            <a:effectLst>
-              <a:outerShdw blurRad="40000" dist="20000" dir="5400000" rotWithShape="0">
-                <a:srgbClr val="000000">
-                  <a:alpha val="37999"/>
-                </a:srgbClr>
-              </a:outerShdw>
-            </a:effectLst>
-          </p:spPr>
-          <p:txBody>
-            <a:bodyPr>
-              <a:spAutoFit/>
-            </a:bodyPr>
-            <a:lstStyle/>
-            <a:p>
-              <a:pPr algn="ctr">
-                <a:defRPr/>
-              </a:pPr>
-              <a:r>
-                <a:rPr lang="en-US" b="1" dirty="0">
-                  <a:solidFill>
-                    <a:schemeClr val="dk1"/>
-                  </a:solidFill>
-                </a:rPr>
-                <a:t>Synaptic Dysfunction</a:t>
-              </a:r>
-              <a:endParaRPr lang="en-US" dirty="0">
-                <a:solidFill>
-                  <a:schemeClr val="dk1"/>
-                </a:solidFill>
-              </a:endParaRPr>
-            </a:p>
-          </p:txBody>
-        </p:sp>
-        <p:cxnSp>
-          <p:nvCxnSpPr>
-            <p:cNvPr id="17" name="Straight Arrow Connector 16"/>
-            <p:cNvCxnSpPr>
-              <a:cxnSpLocks noChangeShapeType="1"/>
-              <a:stCxn id="24" idx="3"/>
-            </p:cNvCxnSpPr>
-            <p:nvPr/>
-          </p:nvCxnSpPr>
-          <p:spPr bwMode="auto">
-            <a:xfrm>
-              <a:off x="5702601" y="2201863"/>
-              <a:ext cx="833437" cy="506412"/>
-            </a:xfrm>
-            <a:prstGeom prst="straightConnector1">
-              <a:avLst/>
-            </a:prstGeom>
-            <a:noFill/>
-            <a:ln w="38100">
-              <a:solidFill>
-                <a:schemeClr val="accent1"/>
-              </a:solidFill>
-              <a:round/>
-              <a:headEnd type="arrow" w="med" len="med"/>
-              <a:tailEnd type="arrow" w="med" len="med"/>
-            </a:ln>
-            <a:effectLst>
-              <a:outerShdw blurRad="40000" dist="20000" dir="5400000" rotWithShape="0">
-                <a:srgbClr val="000000">
-                  <a:alpha val="37999"/>
-                </a:srgbClr>
-              </a:outerShdw>
-            </a:effectLst>
-            <a:extLst>
-              <a:ext uri="{909E8E84-426E-40DD-AFC4-6F175D3DCCD1}">
-                <a14:hiddenFill xmlns:a14="http://schemas.microsoft.com/office/drawing/2010/main">
-                  <a:noFill/>
-                </a14:hiddenFill>
-              </a:ext>
-            </a:extLst>
-          </p:spPr>
-        </p:cxnSp>
-        <p:sp>
-          <p:nvSpPr>
-            <p:cNvPr id="18" name="TextBox 17"/>
-            <p:cNvSpPr txBox="1">
-              <a:spLocks noChangeArrowheads="1"/>
-            </p:cNvSpPr>
-            <p:nvPr/>
-          </p:nvSpPr>
-          <p:spPr bwMode="auto">
-            <a:xfrm>
-              <a:off x="4078588" y="1879600"/>
-              <a:ext cx="1624013" cy="646331"/>
-            </a:xfrm>
-            <a:prstGeom prst="rect">
-              <a:avLst/>
-            </a:prstGeom>
-            <a:gradFill rotWithShape="1">
-              <a:gsLst>
-                <a:gs pos="0">
-                  <a:srgbClr val="FFFF80"/>
-                </a:gs>
-                <a:gs pos="50000">
-                  <a:srgbClr val="FFFFB3"/>
-                </a:gs>
-                <a:gs pos="100000">
-                  <a:srgbClr val="FFFFDA"/>
-                </a:gs>
-              </a:gsLst>
-              <a:lin ang="5400000" scaled="1"/>
-            </a:gradFill>
-            <a:ln w="9525">
-              <a:solidFill>
-                <a:srgbClr val="2D81BD"/>
-              </a:solidFill>
-              <a:miter lim="800000"/>
-              <a:headEnd/>
-              <a:tailEnd/>
-            </a:ln>
-            <a:effectLst>
-              <a:outerShdw blurRad="40000" dist="20000" dir="5400000" rotWithShape="0">
-                <a:srgbClr val="000000">
-                  <a:alpha val="37999"/>
-                </a:srgbClr>
-              </a:outerShdw>
-            </a:effectLst>
-          </p:spPr>
-          <p:txBody>
-            <a:bodyPr>
-              <a:spAutoFit/>
-            </a:bodyPr>
-            <a:lstStyle/>
-            <a:p>
-              <a:pPr algn="ctr">
-                <a:defRPr/>
-              </a:pPr>
-              <a:r>
-                <a:rPr lang="en-US" b="1" dirty="0">
-                  <a:solidFill>
-                    <a:schemeClr val="dk1"/>
-                  </a:solidFill>
-                </a:rPr>
-                <a:t>Astrocyte Upregulation</a:t>
-              </a:r>
-              <a:endParaRPr lang="en-US" dirty="0">
-                <a:solidFill>
-                  <a:schemeClr val="dk1"/>
-                </a:solidFill>
-              </a:endParaRPr>
-            </a:p>
-          </p:txBody>
-        </p:sp>
-        <p:sp>
-          <p:nvSpPr>
-            <p:cNvPr id="19" name="TextBox 18"/>
-            <p:cNvSpPr txBox="1">
-              <a:spLocks noChangeArrowheads="1"/>
-            </p:cNvSpPr>
-            <p:nvPr/>
-          </p:nvSpPr>
-          <p:spPr bwMode="auto">
-            <a:xfrm rot="5400000">
-              <a:off x="7770320" y="3101767"/>
-              <a:ext cx="5106988" cy="338554"/>
-            </a:xfrm>
-            <a:prstGeom prst="rect">
-              <a:avLst/>
-            </a:prstGeom>
-            <a:gradFill rotWithShape="1">
-              <a:gsLst>
-                <a:gs pos="0">
-                  <a:srgbClr val="E3F0FF"/>
-                </a:gs>
-                <a:gs pos="64999">
-                  <a:srgbClr val="BAD9FF"/>
-                </a:gs>
-                <a:gs pos="100000">
-                  <a:srgbClr val="9BC9FF"/>
-                </a:gs>
-              </a:gsLst>
-              <a:lin ang="5400000" scaled="1"/>
-            </a:gradFill>
-            <a:ln w="25400">
-              <a:solidFill>
-                <a:srgbClr val="2D81BD"/>
-              </a:solidFill>
-              <a:miter lim="800000"/>
-              <a:headEnd/>
-              <a:tailEnd/>
-            </a:ln>
-            <a:effectLst>
-              <a:outerShdw blurRad="40000" dist="20000" dir="5400000" rotWithShape="0">
-                <a:srgbClr val="000000">
-                  <a:alpha val="37999"/>
-                </a:srgbClr>
-              </a:outerShdw>
-            </a:effectLst>
-          </p:spPr>
-          <p:txBody>
-            <a:bodyPr>
-              <a:spAutoFit/>
-            </a:bodyPr>
-            <a:lstStyle/>
-            <a:p>
-              <a:pPr algn="ctr">
-                <a:defRPr/>
-              </a:pPr>
-              <a:r>
-                <a:rPr lang="en-US" sz="1600" dirty="0">
-                  <a:solidFill>
-                    <a:schemeClr val="dk1"/>
-                  </a:solidFill>
-                </a:rPr>
-                <a:t>Environment</a:t>
-              </a:r>
-            </a:p>
-          </p:txBody>
-        </p:sp>
-        <p:cxnSp>
-          <p:nvCxnSpPr>
-            <p:cNvPr id="20" name="Straight Arrow Connector 19"/>
-            <p:cNvCxnSpPr>
-              <a:cxnSpLocks noChangeShapeType="1"/>
-            </p:cNvCxnSpPr>
-            <p:nvPr/>
-          </p:nvCxnSpPr>
-          <p:spPr bwMode="auto">
-            <a:xfrm flipH="1">
-              <a:off x="9549113" y="987425"/>
-              <a:ext cx="604838" cy="0"/>
-            </a:xfrm>
-            <a:prstGeom prst="straightConnector1">
-              <a:avLst/>
-            </a:prstGeom>
-            <a:noFill/>
-            <a:ln w="38100">
-              <a:solidFill>
-                <a:schemeClr val="accent1"/>
-              </a:solidFill>
-              <a:round/>
-              <a:headEnd/>
-              <a:tailEnd type="arrow" w="med" len="med"/>
-            </a:ln>
-            <a:effectLst>
-              <a:outerShdw blurRad="40000" dist="20000" dir="5400000" rotWithShape="0">
-                <a:srgbClr val="000000">
-                  <a:alpha val="37999"/>
-                </a:srgbClr>
-              </a:outerShdw>
-            </a:effectLst>
-            <a:extLst>
-              <a:ext uri="{909E8E84-426E-40DD-AFC4-6F175D3DCCD1}">
-                <a14:hiddenFill xmlns:a14="http://schemas.microsoft.com/office/drawing/2010/main">
-                  <a:noFill/>
-                </a14:hiddenFill>
-              </a:ext>
-            </a:extLst>
-          </p:spPr>
-        </p:cxnSp>
-        <p:cxnSp>
-          <p:nvCxnSpPr>
-            <p:cNvPr id="21" name="Straight Arrow Connector 20"/>
-            <p:cNvCxnSpPr>
-              <a:cxnSpLocks noChangeShapeType="1"/>
-            </p:cNvCxnSpPr>
-            <p:nvPr/>
-          </p:nvCxnSpPr>
-          <p:spPr bwMode="auto">
-            <a:xfrm flipH="1">
-              <a:off x="9549113" y="2117725"/>
-              <a:ext cx="604838" cy="0"/>
-            </a:xfrm>
-            <a:prstGeom prst="straightConnector1">
-              <a:avLst/>
-            </a:prstGeom>
-            <a:noFill/>
-            <a:ln w="38100">
-              <a:solidFill>
-                <a:schemeClr val="accent1"/>
-              </a:solidFill>
-              <a:round/>
-              <a:headEnd/>
-              <a:tailEnd type="arrow" w="med" len="med"/>
-            </a:ln>
-            <a:effectLst>
-              <a:outerShdw blurRad="40000" dist="20000" dir="5400000" rotWithShape="0">
-                <a:srgbClr val="000000">
-                  <a:alpha val="37999"/>
-                </a:srgbClr>
-              </a:outerShdw>
-            </a:effectLst>
-            <a:extLst>
-              <a:ext uri="{909E8E84-426E-40DD-AFC4-6F175D3DCCD1}">
-                <a14:hiddenFill xmlns:a14="http://schemas.microsoft.com/office/drawing/2010/main">
-                  <a:noFill/>
-                </a14:hiddenFill>
-              </a:ext>
-            </a:extLst>
-          </p:spPr>
-        </p:cxnSp>
-        <p:cxnSp>
-          <p:nvCxnSpPr>
-            <p:cNvPr id="22" name="Straight Arrow Connector 21"/>
-            <p:cNvCxnSpPr>
-              <a:cxnSpLocks noChangeShapeType="1"/>
-            </p:cNvCxnSpPr>
-            <p:nvPr/>
-          </p:nvCxnSpPr>
-          <p:spPr bwMode="auto">
-            <a:xfrm flipH="1">
-              <a:off x="9549113" y="3246438"/>
-              <a:ext cx="604838" cy="0"/>
-            </a:xfrm>
-            <a:prstGeom prst="straightConnector1">
-              <a:avLst/>
-            </a:prstGeom>
-            <a:noFill/>
-            <a:ln w="38100">
-              <a:solidFill>
-                <a:schemeClr val="accent1"/>
-              </a:solidFill>
-              <a:round/>
-              <a:headEnd/>
-              <a:tailEnd type="arrow" w="med" len="med"/>
-            </a:ln>
-            <a:effectLst>
-              <a:outerShdw blurRad="40000" dist="20000" dir="5400000" rotWithShape="0">
-                <a:srgbClr val="000000">
-                  <a:alpha val="37999"/>
-                </a:srgbClr>
-              </a:outerShdw>
-            </a:effectLst>
-            <a:extLst>
-              <a:ext uri="{909E8E84-426E-40DD-AFC4-6F175D3DCCD1}">
-                <a14:hiddenFill xmlns:a14="http://schemas.microsoft.com/office/drawing/2010/main">
-                  <a:noFill/>
-                </a14:hiddenFill>
-              </a:ext>
-            </a:extLst>
-          </p:spPr>
-        </p:cxnSp>
-        <p:cxnSp>
-          <p:nvCxnSpPr>
-            <p:cNvPr id="23" name="Straight Arrow Connector 22"/>
-            <p:cNvCxnSpPr>
-              <a:cxnSpLocks noChangeShapeType="1"/>
-            </p:cNvCxnSpPr>
-            <p:nvPr/>
-          </p:nvCxnSpPr>
-          <p:spPr bwMode="auto">
-            <a:xfrm flipH="1">
-              <a:off x="9549113" y="4375150"/>
-              <a:ext cx="604838" cy="0"/>
-            </a:xfrm>
-            <a:prstGeom prst="straightConnector1">
-              <a:avLst/>
-            </a:prstGeom>
-            <a:noFill/>
-            <a:ln w="38100">
-              <a:solidFill>
-                <a:schemeClr val="accent1"/>
-              </a:solidFill>
-              <a:round/>
-              <a:headEnd/>
-              <a:tailEnd type="arrow" w="med" len="med"/>
-            </a:ln>
-            <a:effectLst>
-              <a:outerShdw blurRad="40000" dist="20000" dir="5400000" rotWithShape="0">
-                <a:srgbClr val="000000">
-                  <a:alpha val="37999"/>
-                </a:srgbClr>
-              </a:outerShdw>
-            </a:effectLst>
-            <a:extLst>
-              <a:ext uri="{909E8E84-426E-40DD-AFC4-6F175D3DCCD1}">
-                <a14:hiddenFill xmlns:a14="http://schemas.microsoft.com/office/drawing/2010/main">
-                  <a:noFill/>
-                </a14:hiddenFill>
-              </a:ext>
-            </a:extLst>
-          </p:spPr>
-        </p:cxnSp>
-        <p:cxnSp>
-          <p:nvCxnSpPr>
-            <p:cNvPr id="24" name="Straight Arrow Connector 23"/>
-            <p:cNvCxnSpPr>
-              <a:cxnSpLocks noChangeShapeType="1"/>
-            </p:cNvCxnSpPr>
-            <p:nvPr/>
-          </p:nvCxnSpPr>
-          <p:spPr bwMode="auto">
-            <a:xfrm flipH="1">
-              <a:off x="9549113" y="5503863"/>
-              <a:ext cx="604838" cy="0"/>
-            </a:xfrm>
-            <a:prstGeom prst="straightConnector1">
-              <a:avLst/>
-            </a:prstGeom>
-            <a:noFill/>
-            <a:ln w="38100">
-              <a:solidFill>
-                <a:schemeClr val="accent1"/>
-              </a:solidFill>
-              <a:round/>
-              <a:headEnd/>
-              <a:tailEnd type="arrow" w="med" len="med"/>
-            </a:ln>
-            <a:effectLst>
-              <a:outerShdw blurRad="40000" dist="20000" dir="5400000" rotWithShape="0">
-                <a:srgbClr val="000000">
-                  <a:alpha val="37999"/>
-                </a:srgbClr>
-              </a:outerShdw>
-            </a:effectLst>
-            <a:extLst>
-              <a:ext uri="{909E8E84-426E-40DD-AFC4-6F175D3DCCD1}">
-                <a14:hiddenFill xmlns:a14="http://schemas.microsoft.com/office/drawing/2010/main">
-                  <a:noFill/>
-                </a14:hiddenFill>
-              </a:ext>
-            </a:extLst>
-          </p:spPr>
-        </p:cxnSp>
-        <p:cxnSp>
-          <p:nvCxnSpPr>
-            <p:cNvPr id="25" name="Straight Arrow Connector 24"/>
-            <p:cNvCxnSpPr>
-              <a:cxnSpLocks noChangeShapeType="1"/>
-            </p:cNvCxnSpPr>
-            <p:nvPr/>
-          </p:nvCxnSpPr>
-          <p:spPr bwMode="auto">
-            <a:xfrm flipH="1">
-              <a:off x="3151488" y="2163763"/>
-              <a:ext cx="857250" cy="723900"/>
-            </a:xfrm>
-            <a:prstGeom prst="straightConnector1">
-              <a:avLst/>
-            </a:prstGeom>
-            <a:noFill/>
-            <a:ln w="38100">
-              <a:solidFill>
-                <a:schemeClr val="accent1"/>
-              </a:solidFill>
-              <a:round/>
-              <a:headEnd type="arrow" w="med" len="med"/>
-              <a:tailEnd type="arrow" w="med" len="med"/>
-            </a:ln>
-            <a:effectLst>
-              <a:outerShdw blurRad="40000" dist="20000" dir="5400000" rotWithShape="0">
-                <a:srgbClr val="000000">
-                  <a:alpha val="37999"/>
-                </a:srgbClr>
-              </a:outerShdw>
-            </a:effectLst>
-            <a:extLst>
-              <a:ext uri="{909E8E84-426E-40DD-AFC4-6F175D3DCCD1}">
-                <a14:hiddenFill xmlns:a14="http://schemas.microsoft.com/office/drawing/2010/main">
-                  <a:noFill/>
-                </a14:hiddenFill>
-              </a:ext>
-            </a:extLst>
-          </p:spPr>
-        </p:cxnSp>
-        <p:sp>
-          <p:nvSpPr>
-            <p:cNvPr id="26" name="TextBox 25"/>
-            <p:cNvSpPr txBox="1">
-              <a:spLocks noChangeArrowheads="1"/>
-            </p:cNvSpPr>
-            <p:nvPr/>
-          </p:nvSpPr>
-          <p:spPr bwMode="auto">
-            <a:xfrm>
-              <a:off x="2470451" y="2941638"/>
-              <a:ext cx="1530350" cy="646331"/>
-            </a:xfrm>
-            <a:prstGeom prst="rect">
-              <a:avLst/>
-            </a:prstGeom>
-            <a:gradFill rotWithShape="1">
-              <a:gsLst>
-                <a:gs pos="0">
-                  <a:srgbClr val="FFFF80"/>
-                </a:gs>
-                <a:gs pos="50000">
-                  <a:srgbClr val="FFFFB3"/>
-                </a:gs>
-                <a:gs pos="100000">
-                  <a:srgbClr val="FFFFDA"/>
-                </a:gs>
-              </a:gsLst>
-              <a:lin ang="5400000" scaled="1"/>
-            </a:gradFill>
-            <a:ln w="9525">
-              <a:solidFill>
-                <a:srgbClr val="2D81BD"/>
-              </a:solidFill>
-              <a:miter lim="800000"/>
-              <a:headEnd/>
-              <a:tailEnd/>
-            </a:ln>
-            <a:effectLst>
-              <a:outerShdw blurRad="40000" dist="20000" dir="5400000" rotWithShape="0">
-                <a:srgbClr val="000000">
-                  <a:alpha val="37999"/>
-                </a:srgbClr>
-              </a:outerShdw>
-            </a:effectLst>
-          </p:spPr>
-          <p:txBody>
-            <a:bodyPr>
-              <a:spAutoFit/>
-            </a:bodyPr>
-            <a:lstStyle/>
-            <a:p>
-              <a:pPr algn="ctr">
-                <a:defRPr/>
-              </a:pPr>
-              <a:r>
-                <a:rPr lang="en-US" b="1" dirty="0">
-                  <a:solidFill>
-                    <a:schemeClr val="dk1"/>
-                  </a:solidFill>
-                </a:rPr>
-                <a:t>Microglial</a:t>
-              </a:r>
-              <a:br>
-                <a:rPr lang="en-US" b="1" dirty="0">
-                  <a:solidFill>
-                    <a:schemeClr val="dk1"/>
-                  </a:solidFill>
-                </a:rPr>
-              </a:br>
-              <a:r>
-                <a:rPr lang="en-US" b="1" dirty="0">
-                  <a:solidFill>
-                    <a:schemeClr val="dk1"/>
-                  </a:solidFill>
-                </a:rPr>
-                <a:t>Activation</a:t>
-              </a:r>
-              <a:endParaRPr lang="en-US" dirty="0">
-                <a:solidFill>
-                  <a:schemeClr val="dk1"/>
-                </a:solidFill>
-              </a:endParaRPr>
-            </a:p>
-          </p:txBody>
-        </p:sp>
-        <p:cxnSp>
-          <p:nvCxnSpPr>
-            <p:cNvPr id="27" name="Straight Arrow Connector 26"/>
-            <p:cNvCxnSpPr>
-              <a:cxnSpLocks noChangeShapeType="1"/>
-            </p:cNvCxnSpPr>
-            <p:nvPr/>
-          </p:nvCxnSpPr>
-          <p:spPr bwMode="auto">
-            <a:xfrm flipH="1">
-              <a:off x="4067476" y="2847975"/>
-              <a:ext cx="2487612" cy="496888"/>
-            </a:xfrm>
-            <a:prstGeom prst="straightConnector1">
-              <a:avLst/>
-            </a:prstGeom>
-            <a:noFill/>
-            <a:ln w="38100">
-              <a:solidFill>
-                <a:schemeClr val="accent1"/>
-              </a:solidFill>
-              <a:round/>
-              <a:headEnd type="arrow" w="med" len="med"/>
-              <a:tailEnd type="arrow" w="med" len="med"/>
-            </a:ln>
-            <a:effectLst>
-              <a:outerShdw blurRad="40000" dist="20000" dir="5400000" rotWithShape="0">
-                <a:srgbClr val="000000">
-                  <a:alpha val="37999"/>
-                </a:srgbClr>
-              </a:outerShdw>
-            </a:effectLst>
-            <a:extLst>
-              <a:ext uri="{909E8E84-426E-40DD-AFC4-6F175D3DCCD1}">
-                <a14:hiddenFill xmlns:a14="http://schemas.microsoft.com/office/drawing/2010/main">
-                  <a:noFill/>
-                </a14:hiddenFill>
-              </a:ext>
-            </a:extLst>
-          </p:spPr>
-        </p:cxnSp>
-        <p:sp>
-          <p:nvSpPr>
-            <p:cNvPr id="28" name="TextBox 27"/>
-            <p:cNvSpPr txBox="1">
-              <a:spLocks noChangeArrowheads="1"/>
-            </p:cNvSpPr>
-            <p:nvPr/>
-          </p:nvSpPr>
-          <p:spPr bwMode="auto">
-            <a:xfrm>
-              <a:off x="6193138" y="4624388"/>
-              <a:ext cx="1981200" cy="369332"/>
-            </a:xfrm>
-            <a:prstGeom prst="rect">
-              <a:avLst/>
-            </a:prstGeom>
-            <a:gradFill rotWithShape="1">
-              <a:gsLst>
-                <a:gs pos="0">
-                  <a:srgbClr val="EDEDED"/>
-                </a:gs>
-                <a:gs pos="100000">
-                  <a:srgbClr val="00B050">
-                    <a:alpha val="9998"/>
-                  </a:srgbClr>
-                </a:gs>
-              </a:gsLst>
-              <a:lin ang="5400000" scaled="1"/>
-            </a:gradFill>
-            <a:ln w="9525">
-              <a:solidFill>
-                <a:srgbClr val="000000"/>
-              </a:solidFill>
-              <a:miter lim="800000"/>
-              <a:headEnd/>
-              <a:tailEnd/>
-            </a:ln>
-            <a:effectLst>
-              <a:outerShdw blurRad="40000" dist="20000" dir="5400000" rotWithShape="0">
-                <a:srgbClr val="000000">
-                  <a:alpha val="37999"/>
-                </a:srgbClr>
-              </a:outerShdw>
-            </a:effectLst>
-          </p:spPr>
-          <p:txBody>
-            <a:bodyPr>
-              <a:spAutoFit/>
-            </a:bodyPr>
-            <a:lstStyle/>
-            <a:p>
-              <a:pPr algn="ctr">
-                <a:defRPr/>
-              </a:pPr>
-              <a:r>
-                <a:rPr lang="en-US" b="1" dirty="0">
-                  <a:solidFill>
-                    <a:schemeClr val="dk1"/>
-                  </a:solidFill>
-                </a:rPr>
-                <a:t>Bipolar Disorder</a:t>
-              </a:r>
-            </a:p>
-          </p:txBody>
-        </p:sp>
-        <p:sp>
-          <p:nvSpPr>
-            <p:cNvPr id="29" name="Rounded Rectangle 28"/>
-            <p:cNvSpPr/>
-            <p:nvPr/>
-          </p:nvSpPr>
-          <p:spPr bwMode="auto">
-            <a:xfrm>
-              <a:off x="1773538" y="1600200"/>
-              <a:ext cx="6791325" cy="2797175"/>
-            </a:xfrm>
-            <a:prstGeom prst="roundRect">
-              <a:avLst/>
-            </a:prstGeom>
-            <a:solidFill>
-              <a:srgbClr val="FF0000">
-                <a:alpha val="10000"/>
-              </a:srgbClr>
-            </a:solidFill>
-            <a:ln w="25400" cap="flat" cmpd="sng" algn="ctr">
-              <a:solidFill>
-                <a:schemeClr val="tx1">
-                  <a:lumMod val="50000"/>
-                  <a:lumOff val="50000"/>
-                  <a:alpha val="50000"/>
-                </a:schemeClr>
-              </a:solidFill>
-              <a:prstDash val="dash"/>
-              <a:round/>
-              <a:headEnd type="none" w="med" len="med"/>
-              <a:tailEnd type="none" w="med" len="med"/>
-            </a:ln>
-            <a:effectLst/>
-            <a:extLst>
-              <a:ext uri="{AF507438-7753-43e0-B8FC-AC1667EBCBE1}"/>
-            </a:extLst>
-          </p:spPr>
-          <p:txBody>
-            <a:bodyPr/>
-            <a:lstStyle/>
-            <a:p>
-              <a:pPr algn="r" eaLnBrk="1" hangingPunct="1">
-                <a:defRPr/>
-              </a:pPr>
-              <a:endParaRPr lang="en-US">
-                <a:solidFill>
-                  <a:srgbClr val="000000"/>
-                </a:solidFill>
-                <a:ea typeface="ＭＳ Ｐゴシック" charset="0"/>
-              </a:endParaRPr>
-            </a:p>
-          </p:txBody>
-        </p:sp>
-        <p:sp>
-          <p:nvSpPr>
-            <p:cNvPr id="30" name="Rounded Rectangle 29"/>
-            <p:cNvSpPr/>
-            <p:nvPr/>
-          </p:nvSpPr>
-          <p:spPr bwMode="auto">
-            <a:xfrm>
-              <a:off x="4597701" y="1497013"/>
-              <a:ext cx="3322637" cy="3074987"/>
-            </a:xfrm>
-            <a:prstGeom prst="roundRect">
-              <a:avLst/>
-            </a:prstGeom>
-            <a:solidFill>
-              <a:srgbClr val="002060">
-                <a:alpha val="10000"/>
-              </a:srgbClr>
-            </a:solidFill>
-            <a:ln w="25400" cap="flat" cmpd="sng" algn="ctr">
-              <a:solidFill>
-                <a:schemeClr val="tx1">
-                  <a:lumMod val="50000"/>
-                  <a:lumOff val="50000"/>
-                  <a:alpha val="50000"/>
-                </a:schemeClr>
-              </a:solidFill>
-              <a:prstDash val="dash"/>
-              <a:round/>
-              <a:headEnd type="none" w="med" len="med"/>
-              <a:tailEnd type="none" w="med" len="med"/>
-            </a:ln>
-            <a:effectLst/>
-            <a:extLst>
-              <a:ext uri="{AF507438-7753-43e0-B8FC-AC1667EBCBE1}"/>
-            </a:extLst>
-          </p:spPr>
-          <p:txBody>
-            <a:bodyPr/>
-            <a:lstStyle/>
-            <a:p>
-              <a:pPr algn="r" eaLnBrk="1" hangingPunct="1">
-                <a:defRPr/>
-              </a:pPr>
-              <a:endParaRPr lang="en-US">
-                <a:solidFill>
-                  <a:srgbClr val="000000"/>
-                </a:solidFill>
-                <a:ea typeface="ＭＳ Ｐゴシック" charset="0"/>
-              </a:endParaRPr>
-            </a:p>
-          </p:txBody>
-        </p:sp>
-        <p:sp>
-          <p:nvSpPr>
-            <p:cNvPr id="31" name="Rounded Rectangle 30"/>
-            <p:cNvSpPr/>
-            <p:nvPr/>
-          </p:nvSpPr>
-          <p:spPr bwMode="auto">
-            <a:xfrm>
-              <a:off x="5229526" y="1708150"/>
-              <a:ext cx="2152650" cy="2568575"/>
-            </a:xfrm>
-            <a:prstGeom prst="roundRect">
-              <a:avLst/>
-            </a:prstGeom>
-            <a:solidFill>
-              <a:srgbClr val="00B050">
-                <a:alpha val="10000"/>
-              </a:srgbClr>
-            </a:solidFill>
-            <a:ln w="25400" cap="flat" cmpd="sng" algn="ctr">
-              <a:solidFill>
-                <a:schemeClr val="tx2">
-                  <a:lumMod val="50000"/>
-                  <a:lumOff val="50000"/>
-                  <a:alpha val="50000"/>
-                </a:schemeClr>
-              </a:solidFill>
-              <a:prstDash val="dash"/>
-              <a:round/>
-              <a:headEnd type="none" w="med" len="med"/>
-              <a:tailEnd type="none" w="med" len="med"/>
-            </a:ln>
-            <a:effectLst/>
-            <a:extLst>
-              <a:ext uri="{AF507438-7753-43e0-B8FC-AC1667EBCBE1}"/>
-            </a:extLst>
-          </p:spPr>
-          <p:txBody>
-            <a:bodyPr/>
-            <a:lstStyle/>
-            <a:p>
-              <a:pPr algn="r" eaLnBrk="1" hangingPunct="1">
-                <a:defRPr/>
-              </a:pPr>
-              <a:endParaRPr lang="en-US">
-                <a:solidFill>
-                  <a:srgbClr val="000000"/>
-                </a:solidFill>
-                <a:ea typeface="ＭＳ Ｐゴシック" charset="0"/>
-              </a:endParaRPr>
-            </a:p>
-          </p:txBody>
-        </p:sp>
-        <p:sp>
-          <p:nvSpPr>
-            <p:cNvPr id="32" name="TextBox 31"/>
-            <p:cNvSpPr txBox="1">
-              <a:spLocks noChangeArrowheads="1"/>
-            </p:cNvSpPr>
-            <p:nvPr/>
-          </p:nvSpPr>
-          <p:spPr bwMode="auto">
-            <a:xfrm>
-              <a:off x="3857926" y="4627563"/>
-              <a:ext cx="1981200" cy="369332"/>
-            </a:xfrm>
-            <a:prstGeom prst="rect">
-              <a:avLst/>
-            </a:prstGeom>
-            <a:gradFill rotWithShape="1">
-              <a:gsLst>
-                <a:gs pos="0">
-                  <a:srgbClr val="EDEDED"/>
-                </a:gs>
-                <a:gs pos="100000">
-                  <a:srgbClr val="002060">
-                    <a:alpha val="9998"/>
-                  </a:srgbClr>
-                </a:gs>
-              </a:gsLst>
-              <a:lin ang="5400000" scaled="1"/>
-            </a:gradFill>
-            <a:ln w="9525">
-              <a:solidFill>
-                <a:srgbClr val="000000"/>
-              </a:solidFill>
-              <a:miter lim="800000"/>
-              <a:headEnd/>
-              <a:tailEnd/>
-            </a:ln>
-            <a:effectLst>
-              <a:outerShdw blurRad="40000" dist="20000" dir="5400000" rotWithShape="0">
-                <a:srgbClr val="000000">
-                  <a:alpha val="37999"/>
-                </a:srgbClr>
-              </a:outerShdw>
-            </a:effectLst>
-          </p:spPr>
-          <p:txBody>
-            <a:bodyPr>
-              <a:spAutoFit/>
-            </a:bodyPr>
-            <a:lstStyle/>
-            <a:p>
-              <a:pPr algn="ctr">
-                <a:defRPr/>
-              </a:pPr>
-              <a:r>
-                <a:rPr lang="en-US" b="1" dirty="0">
-                  <a:solidFill>
-                    <a:schemeClr val="dk1"/>
-                  </a:solidFill>
-                </a:rPr>
-                <a:t>Schizophrenia</a:t>
-              </a:r>
-            </a:p>
-          </p:txBody>
-        </p:sp>
-        <p:sp>
-          <p:nvSpPr>
-            <p:cNvPr id="33" name="TextBox 32"/>
-            <p:cNvSpPr txBox="1">
-              <a:spLocks noChangeArrowheads="1"/>
-            </p:cNvSpPr>
-            <p:nvPr/>
-          </p:nvSpPr>
-          <p:spPr bwMode="auto">
-            <a:xfrm>
-              <a:off x="1844976" y="4619625"/>
-              <a:ext cx="1354137" cy="369332"/>
-            </a:xfrm>
-            <a:prstGeom prst="rect">
-              <a:avLst/>
-            </a:prstGeom>
-            <a:gradFill rotWithShape="1">
-              <a:gsLst>
-                <a:gs pos="0">
-                  <a:srgbClr val="EDEDED"/>
-                </a:gs>
-                <a:gs pos="100000">
-                  <a:srgbClr val="FF0000">
-                    <a:alpha val="9998"/>
-                  </a:srgbClr>
-                </a:gs>
-              </a:gsLst>
-              <a:lin ang="5400000" scaled="1"/>
-            </a:gradFill>
-            <a:ln w="9525">
-              <a:solidFill>
-                <a:srgbClr val="000000"/>
-              </a:solidFill>
-              <a:miter lim="800000"/>
-              <a:headEnd/>
-              <a:tailEnd/>
-            </a:ln>
-            <a:effectLst>
-              <a:outerShdw blurRad="40000" dist="20000" dir="5400000" rotWithShape="0">
-                <a:srgbClr val="000000">
-                  <a:alpha val="37999"/>
-                </a:srgbClr>
-              </a:outerShdw>
-            </a:effectLst>
-          </p:spPr>
-          <p:txBody>
-            <a:bodyPr>
-              <a:spAutoFit/>
-            </a:bodyPr>
-            <a:lstStyle/>
-            <a:p>
-              <a:pPr algn="ctr">
-                <a:defRPr/>
-              </a:pPr>
-              <a:r>
-                <a:rPr lang="en-US" b="1" dirty="0">
-                  <a:solidFill>
-                    <a:schemeClr val="dk1"/>
-                  </a:solidFill>
-                </a:rPr>
-                <a:t>Autism</a:t>
-              </a:r>
-            </a:p>
-          </p:txBody>
-        </p:sp>
-        <p:sp>
-          <p:nvSpPr>
-            <p:cNvPr id="34" name="Rectangle 33"/>
-            <p:cNvSpPr/>
-            <p:nvPr/>
-          </p:nvSpPr>
-          <p:spPr>
-            <a:xfrm>
-              <a:off x="2045001" y="5075581"/>
-              <a:ext cx="4470400" cy="211137"/>
-            </a:xfrm>
-            <a:prstGeom prst="rect">
-              <a:avLst/>
-            </a:prstGeom>
-            <a:gradFill flip="none" rotWithShape="1">
-              <a:gsLst>
-                <a:gs pos="0">
-                  <a:srgbClr val="FFC000"/>
-                </a:gs>
-                <a:gs pos="100000">
-                  <a:srgbClr val="FFFFFF">
-                    <a:alpha val="0"/>
-                  </a:srgbClr>
-                </a:gs>
-              </a:gsLst>
-              <a:lin ang="0" scaled="1"/>
-              <a:tileRect/>
-            </a:gradFill>
-            <a:ln>
-              <a:noFill/>
-            </a:ln>
-          </p:spPr>
-          <p:style>
-            <a:lnRef idx="2">
-              <a:schemeClr val="accent6">
-                <a:shade val="50000"/>
-              </a:schemeClr>
-            </a:lnRef>
-            <a:fillRef idx="1">
-              <a:schemeClr val="accent6"/>
-            </a:fillRef>
-            <a:effectRef idx="0">
-              <a:schemeClr val="accent6"/>
-            </a:effectRef>
-            <a:fontRef idx="minor">
-              <a:schemeClr val="lt1"/>
-            </a:fontRef>
-          </p:style>
-          <p:txBody>
-            <a:bodyPr anchor="ctr"/>
-            <a:lstStyle/>
-            <a:p>
-              <a:pPr algn="ctr">
-                <a:defRPr/>
-              </a:pPr>
-              <a:r>
-                <a:rPr lang="en-US" sz="1200" b="1" dirty="0">
-                  <a:solidFill>
-                    <a:sysClr val="windowText" lastClr="000000"/>
-                  </a:solidFill>
-                </a:rPr>
-                <a:t>Developmental Delay	   	</a:t>
-              </a:r>
-            </a:p>
-          </p:txBody>
-        </p:sp>
-        <p:sp>
-          <p:nvSpPr>
-            <p:cNvPr id="35" name="Rectangle 34"/>
-            <p:cNvSpPr/>
-            <p:nvPr/>
-          </p:nvSpPr>
-          <p:spPr>
-            <a:xfrm>
-              <a:off x="2878438" y="5319713"/>
-              <a:ext cx="4476750" cy="211137"/>
-            </a:xfrm>
-            <a:prstGeom prst="rect">
-              <a:avLst/>
-            </a:prstGeom>
-            <a:gradFill flip="none" rotWithShape="1">
-              <a:gsLst>
-                <a:gs pos="0">
-                  <a:schemeClr val="bg1">
-                    <a:alpha val="0"/>
-                  </a:schemeClr>
-                </a:gs>
-                <a:gs pos="100000">
-                  <a:srgbClr val="FFFFFF">
-                    <a:alpha val="0"/>
-                  </a:srgbClr>
-                </a:gs>
-                <a:gs pos="52000">
-                  <a:srgbClr val="FFC000"/>
-                </a:gs>
-              </a:gsLst>
-              <a:lin ang="0" scaled="1"/>
-              <a:tileRect/>
-            </a:gradFill>
-            <a:ln>
-              <a:noFill/>
-            </a:ln>
-          </p:spPr>
-          <p:style>
-            <a:lnRef idx="2">
-              <a:schemeClr val="accent6">
-                <a:shade val="50000"/>
-              </a:schemeClr>
-            </a:lnRef>
-            <a:fillRef idx="1">
-              <a:schemeClr val="accent6"/>
-            </a:fillRef>
-            <a:effectRef idx="0">
-              <a:schemeClr val="accent6"/>
-            </a:effectRef>
-            <a:fontRef idx="minor">
-              <a:schemeClr val="lt1"/>
-            </a:fontRef>
-          </p:style>
-          <p:txBody>
-            <a:bodyPr anchor="ctr"/>
-            <a:lstStyle/>
-            <a:p>
-              <a:pPr algn="ctr">
-                <a:defRPr/>
-              </a:pPr>
-              <a:r>
-                <a:rPr lang="en-US" sz="1200" b="1" dirty="0">
-                  <a:solidFill>
-                    <a:sysClr val="windowText" lastClr="000000"/>
-                  </a:solidFill>
-                </a:rPr>
-                <a:t>Cognitive &amp; Negative Symptoms</a:t>
-              </a:r>
-            </a:p>
-          </p:txBody>
-        </p:sp>
-        <p:sp>
-          <p:nvSpPr>
-            <p:cNvPr id="36" name="Rectangle 35"/>
-            <p:cNvSpPr/>
-            <p:nvPr/>
-          </p:nvSpPr>
-          <p:spPr>
-            <a:xfrm>
-              <a:off x="3454701" y="5546725"/>
-              <a:ext cx="5053012" cy="165100"/>
-            </a:xfrm>
-            <a:prstGeom prst="rect">
-              <a:avLst/>
-            </a:prstGeom>
-            <a:gradFill flip="none" rotWithShape="1">
-              <a:gsLst>
-                <a:gs pos="0">
-                  <a:schemeClr val="bg1">
-                    <a:alpha val="0"/>
-                  </a:schemeClr>
-                </a:gs>
-                <a:gs pos="100000">
-                  <a:srgbClr val="FFFFFF">
-                    <a:alpha val="0"/>
-                  </a:srgbClr>
-                </a:gs>
-                <a:gs pos="52000">
-                  <a:srgbClr val="FFC000"/>
-                </a:gs>
-              </a:gsLst>
-              <a:lin ang="0" scaled="1"/>
-              <a:tileRect/>
-            </a:gradFill>
-            <a:ln>
-              <a:noFill/>
-            </a:ln>
-          </p:spPr>
-          <p:style>
-            <a:lnRef idx="2">
-              <a:schemeClr val="accent6">
-                <a:shade val="50000"/>
-              </a:schemeClr>
-            </a:lnRef>
-            <a:fillRef idx="1">
-              <a:schemeClr val="accent6"/>
-            </a:fillRef>
-            <a:effectRef idx="0">
-              <a:schemeClr val="accent6"/>
-            </a:effectRef>
-            <a:fontRef idx="minor">
-              <a:schemeClr val="lt1"/>
-            </a:fontRef>
-          </p:style>
-          <p:txBody>
-            <a:bodyPr anchor="ctr"/>
-            <a:lstStyle/>
-            <a:p>
-              <a:pPr algn="ctr">
-                <a:defRPr/>
-              </a:pPr>
-              <a:r>
-                <a:rPr lang="en-US" sz="1200" b="1" dirty="0">
-                  <a:solidFill>
-                    <a:sysClr val="windowText" lastClr="000000"/>
-                  </a:solidFill>
-                </a:rPr>
-                <a:t>Positive Symptoms</a:t>
-              </a:r>
-            </a:p>
-          </p:txBody>
-        </p:sp>
-        <p:sp>
-          <p:nvSpPr>
-            <p:cNvPr id="37" name="Rectangle 36"/>
-            <p:cNvSpPr/>
-            <p:nvPr/>
-          </p:nvSpPr>
-          <p:spPr>
-            <a:xfrm>
-              <a:off x="3468302" y="5752880"/>
-              <a:ext cx="5045075" cy="182562"/>
-            </a:xfrm>
-            <a:prstGeom prst="rect">
-              <a:avLst/>
-            </a:prstGeom>
-            <a:gradFill flip="none" rotWithShape="1">
-              <a:gsLst>
-                <a:gs pos="0">
-                  <a:schemeClr val="bg1">
-                    <a:alpha val="0"/>
-                  </a:schemeClr>
-                </a:gs>
-                <a:gs pos="100000">
-                  <a:srgbClr val="FFC000"/>
-                </a:gs>
-                <a:gs pos="52000">
-                  <a:srgbClr val="FFC000"/>
-                </a:gs>
-              </a:gsLst>
-              <a:lin ang="0" scaled="1"/>
-              <a:tileRect/>
-            </a:gradFill>
-            <a:ln>
-              <a:noFill/>
-            </a:ln>
-          </p:spPr>
-          <p:style>
-            <a:lnRef idx="2">
-              <a:schemeClr val="accent6">
-                <a:shade val="50000"/>
-              </a:schemeClr>
-            </a:lnRef>
-            <a:fillRef idx="1">
-              <a:schemeClr val="accent6"/>
-            </a:fillRef>
-            <a:effectRef idx="0">
-              <a:schemeClr val="accent6"/>
-            </a:effectRef>
-            <a:fontRef idx="minor">
-              <a:schemeClr val="lt1"/>
-            </a:fontRef>
-          </p:style>
-          <p:txBody>
-            <a:bodyPr rIns="731520" anchor="ctr"/>
-            <a:lstStyle/>
-            <a:p>
-              <a:pPr algn="r">
-                <a:defRPr/>
-              </a:pPr>
-              <a:r>
-                <a:rPr lang="en-US" sz="1200" b="1" dirty="0">
-                  <a:solidFill>
-                    <a:sysClr val="windowText" lastClr="000000"/>
-                  </a:solidFill>
-                </a:rPr>
-                <a:t>Mood Dysregulation                   </a:t>
-              </a:r>
-            </a:p>
-          </p:txBody>
-        </p:sp>
-      </p:grpSp>
       <p:pic>
         <p:nvPicPr>
-          <p:cNvPr id="39" name="Picture 38"/>
-          <p:cNvPicPr>
-            <a:picLocks noChangeAspect="1"/>
-          </p:cNvPicPr>
+          <p:cNvPr id="42" name="Picture 41" descr="images%20for%20ASD%20grant%2005212016/images%20for%20ASD%20grant%2005212016/figure/Slide2.jpg"/>
+          <p:cNvPicPr/>
           <p:nvPr/>
         </p:nvPicPr>
         <p:blipFill rotWithShape="1">
-          <a:blip r:embed="rId2"/>
-          <a:srcRect l="-5375" t="12110" r="-1"/>
-          <a:stretch/>
-        </p:blipFill>
-        <p:spPr>
-          <a:xfrm>
-            <a:off x="-257908" y="1828799"/>
-            <a:ext cx="9116431" cy="2790093"/>
-          </a:xfrm>
-          <a:prstGeom prst="rect">
-            <a:avLst/>
-          </a:prstGeom>
-        </p:spPr>
-      </p:pic>
-      <p:pic>
-        <p:nvPicPr>
-          <p:cNvPr id="44" name="Picture 12"/>
-          <p:cNvPicPr>
-            <a:picLocks noChangeAspect="1"/>
-          </p:cNvPicPr>
-          <p:nvPr/>
-        </p:nvPicPr>
-        <p:blipFill rotWithShape="1">
-          <a:blip r:embed="rId3">
+          <a:blip r:embed="rId2">
             <a:extLst>
               <a:ext uri="{28A0092B-C50C-407E-A947-70E740481C1C}">
                 <a14:useLocalDpi xmlns:a14="http://schemas.microsoft.com/office/drawing/2010/main" val="0"/>
               </a:ext>
             </a:extLst>
           </a:blip>
-          <a:srcRect l="15038" r="51860" b="70703"/>
+          <a:srcRect t="11010"/>
           <a:stretch/>
         </p:blipFill>
         <p:spPr bwMode="auto">
           <a:xfrm>
-            <a:off x="20897972" y="1340460"/>
-            <a:ext cx="4752120" cy="4205585"/>
+            <a:off x="19066300" y="1345626"/>
+            <a:ext cx="6646628" cy="4420979"/>
           </a:xfrm>
           <a:prstGeom prst="rect">
             <a:avLst/>
@@ -5376,27 +3635,2006 @@
           <a:ln>
             <a:noFill/>
           </a:ln>
-          <a:extLst>
-            <a:ext uri="{909E8E84-426E-40DD-AFC4-6F175D3DCCD1}">
-              <a14:hiddenFill xmlns:a14="http://schemas.microsoft.com/office/drawing/2010/main">
-                <a:solidFill>
-                  <a:srgbClr val="FFFFFF"/>
-                </a:solidFill>
-              </a14:hiddenFill>
-            </a:ext>
-            <a:ext uri="{91240B29-F687-4F45-9708-019B960494DF}">
-              <a14:hiddenLine xmlns:a14="http://schemas.microsoft.com/office/drawing/2010/main" w="9525">
-                <a:solidFill>
-                  <a:srgbClr val="000000"/>
-                </a:solidFill>
-                <a:miter lim="800000"/>
-                <a:headEnd/>
-                <a:tailEnd/>
-              </a14:hiddenLine>
-            </a:ext>
-          </a:extLst>
         </p:spPr>
       </p:pic>
+      <p:pic>
+        <p:nvPicPr>
+          <p:cNvPr id="43" name="Picture 42" descr="TSPO.jpg"/>
+          <p:cNvPicPr/>
+          <p:nvPr/>
+        </p:nvPicPr>
+        <p:blipFill>
+          <a:blip r:embed="rId3">
+            <a:extLst>
+              <a:ext uri="{28A0092B-C50C-407E-A947-70E740481C1C}">
+                <a14:useLocalDpi xmlns:a14="http://schemas.microsoft.com/office/drawing/2010/main" val="0"/>
+              </a:ext>
+            </a:extLst>
+          </a:blip>
+          <a:srcRect/>
+          <a:stretch>
+            <a:fillRect/>
+          </a:stretch>
+        </p:blipFill>
+        <p:spPr bwMode="auto">
+          <a:xfrm>
+            <a:off x="16290710" y="1361276"/>
+            <a:ext cx="2611651" cy="4446470"/>
+          </a:xfrm>
+          <a:prstGeom prst="rect">
+            <a:avLst/>
+          </a:prstGeom>
+          <a:noFill/>
+          <a:ln>
+            <a:noFill/>
+          </a:ln>
+        </p:spPr>
+      </p:pic>
+      <p:grpSp>
+        <p:nvGrpSpPr>
+          <p:cNvPr id="90" name="Group 89"/>
+          <p:cNvGrpSpPr/>
+          <p:nvPr/>
+        </p:nvGrpSpPr>
+        <p:grpSpPr>
+          <a:xfrm>
+            <a:off x="1657033" y="1054850"/>
+            <a:ext cx="11898730" cy="5166906"/>
+            <a:chOff x="2187385" y="1073138"/>
+            <a:chExt cx="11898730" cy="5166906"/>
+          </a:xfrm>
+        </p:grpSpPr>
+        <p:cxnSp>
+          <p:nvCxnSpPr>
+            <p:cNvPr id="45" name="Straight Connector 44"/>
+            <p:cNvCxnSpPr/>
+            <p:nvPr/>
+          </p:nvCxnSpPr>
+          <p:spPr>
+            <a:xfrm>
+              <a:off x="6885740" y="4921671"/>
+              <a:ext cx="6571196" cy="31799"/>
+            </a:xfrm>
+            <a:prstGeom prst="line">
+              <a:avLst/>
+            </a:prstGeom>
+            <a:ln w="25400">
+              <a:solidFill>
+                <a:schemeClr val="bg1">
+                  <a:lumMod val="75000"/>
+                </a:schemeClr>
+              </a:solidFill>
+            </a:ln>
+          </p:spPr>
+          <p:style>
+            <a:lnRef idx="1">
+              <a:schemeClr val="accent1"/>
+            </a:lnRef>
+            <a:fillRef idx="0">
+              <a:schemeClr val="accent1"/>
+            </a:fillRef>
+            <a:effectRef idx="0">
+              <a:schemeClr val="accent1"/>
+            </a:effectRef>
+            <a:fontRef idx="minor">
+              <a:schemeClr val="tx1"/>
+            </a:fontRef>
+          </p:style>
+        </p:cxnSp>
+        <p:cxnSp>
+          <p:nvCxnSpPr>
+            <p:cNvPr id="46" name="Straight Connector 45"/>
+            <p:cNvCxnSpPr>
+              <a:stCxn id="56" idx="4"/>
+              <a:endCxn id="57" idx="0"/>
+            </p:cNvCxnSpPr>
+            <p:nvPr/>
+          </p:nvCxnSpPr>
+          <p:spPr>
+            <a:xfrm>
+              <a:off x="7624331" y="2539559"/>
+              <a:ext cx="1" cy="2211674"/>
+            </a:xfrm>
+            <a:prstGeom prst="line">
+              <a:avLst/>
+            </a:prstGeom>
+            <a:ln w="25400">
+              <a:solidFill>
+                <a:schemeClr val="bg1">
+                  <a:lumMod val="75000"/>
+                </a:schemeClr>
+              </a:solidFill>
+            </a:ln>
+          </p:spPr>
+          <p:style>
+            <a:lnRef idx="1">
+              <a:schemeClr val="accent1"/>
+            </a:lnRef>
+            <a:fillRef idx="0">
+              <a:schemeClr val="accent1"/>
+            </a:fillRef>
+            <a:effectRef idx="0">
+              <a:schemeClr val="accent1"/>
+            </a:effectRef>
+            <a:fontRef idx="minor">
+              <a:schemeClr val="tx1"/>
+            </a:fontRef>
+          </p:style>
+        </p:cxnSp>
+        <p:sp>
+          <p:nvSpPr>
+            <p:cNvPr id="47" name="Rounded Rectangle 46"/>
+            <p:cNvSpPr/>
+            <p:nvPr/>
+          </p:nvSpPr>
+          <p:spPr>
+            <a:xfrm>
+              <a:off x="2187385" y="3283684"/>
+              <a:ext cx="973282" cy="411306"/>
+            </a:xfrm>
+            <a:prstGeom prst="roundRect">
+              <a:avLst/>
+            </a:prstGeom>
+          </p:spPr>
+          <p:style>
+            <a:lnRef idx="2">
+              <a:schemeClr val="accent1">
+                <a:shade val="50000"/>
+              </a:schemeClr>
+            </a:lnRef>
+            <a:fillRef idx="1">
+              <a:schemeClr val="accent1"/>
+            </a:fillRef>
+            <a:effectRef idx="0">
+              <a:schemeClr val="accent1"/>
+            </a:effectRef>
+            <a:fontRef idx="minor">
+              <a:schemeClr val="lt1"/>
+            </a:fontRef>
+          </p:style>
+          <p:txBody>
+            <a:bodyPr rtlCol="0" anchor="ctr"/>
+            <a:lstStyle/>
+            <a:p>
+              <a:pPr algn="ctr"/>
+              <a:r>
+                <a:rPr lang="en-US" dirty="0" smtClean="0">
+                  <a:latin typeface="Arial" charset="0"/>
+                  <a:ea typeface="Arial" charset="0"/>
+                  <a:cs typeface="Arial" charset="0"/>
+                </a:rPr>
+                <a:t>Recruit</a:t>
+              </a:r>
+              <a:endParaRPr lang="en-US" dirty="0">
+                <a:latin typeface="Arial" charset="0"/>
+                <a:ea typeface="Arial" charset="0"/>
+                <a:cs typeface="Arial" charset="0"/>
+              </a:endParaRPr>
+            </a:p>
+          </p:txBody>
+        </p:sp>
+        <p:sp>
+          <p:nvSpPr>
+            <p:cNvPr id="48" name="Rounded Rectangle 47"/>
+            <p:cNvSpPr/>
+            <p:nvPr/>
+          </p:nvSpPr>
+          <p:spPr>
+            <a:xfrm>
+              <a:off x="5663369" y="4473251"/>
+              <a:ext cx="1200146" cy="847293"/>
+            </a:xfrm>
+            <a:prstGeom prst="roundRect">
+              <a:avLst/>
+            </a:prstGeom>
+          </p:spPr>
+          <p:style>
+            <a:lnRef idx="2">
+              <a:schemeClr val="accent1">
+                <a:shade val="50000"/>
+              </a:schemeClr>
+            </a:lnRef>
+            <a:fillRef idx="1">
+              <a:schemeClr val="accent1"/>
+            </a:fillRef>
+            <a:effectRef idx="0">
+              <a:schemeClr val="accent1"/>
+            </a:effectRef>
+            <a:fontRef idx="minor">
+              <a:schemeClr val="lt1"/>
+            </a:fontRef>
+          </p:style>
+          <p:txBody>
+            <a:bodyPr rtlCol="0" anchor="ctr"/>
+            <a:lstStyle/>
+            <a:p>
+              <a:pPr algn="ctr"/>
+              <a:r>
+                <a:rPr lang="en-US" dirty="0" smtClean="0"/>
+                <a:t>N=15, Matched controls</a:t>
+              </a:r>
+            </a:p>
+          </p:txBody>
+        </p:sp>
+        <p:cxnSp>
+          <p:nvCxnSpPr>
+            <p:cNvPr id="49" name="Straight Connector 48"/>
+            <p:cNvCxnSpPr>
+              <a:stCxn id="47" idx="3"/>
+              <a:endCxn id="86" idx="6"/>
+            </p:cNvCxnSpPr>
+            <p:nvPr/>
+          </p:nvCxnSpPr>
+          <p:spPr>
+            <a:xfrm>
+              <a:off x="6863515" y="2387159"/>
+              <a:ext cx="6571196" cy="31799"/>
+            </a:xfrm>
+            <a:prstGeom prst="line">
+              <a:avLst/>
+            </a:prstGeom>
+            <a:ln w="25400">
+              <a:solidFill>
+                <a:schemeClr val="bg1">
+                  <a:lumMod val="75000"/>
+                </a:schemeClr>
+              </a:solidFill>
+            </a:ln>
+          </p:spPr>
+          <p:style>
+            <a:lnRef idx="1">
+              <a:schemeClr val="accent1"/>
+            </a:lnRef>
+            <a:fillRef idx="0">
+              <a:schemeClr val="accent1"/>
+            </a:fillRef>
+            <a:effectRef idx="0">
+              <a:schemeClr val="accent1"/>
+            </a:effectRef>
+            <a:fontRef idx="minor">
+              <a:schemeClr val="tx1"/>
+            </a:fontRef>
+          </p:style>
+        </p:cxnSp>
+        <p:sp>
+          <p:nvSpPr>
+            <p:cNvPr id="50" name="Oval 49"/>
+            <p:cNvSpPr/>
+            <p:nvPr/>
+          </p:nvSpPr>
+          <p:spPr>
+            <a:xfrm>
+              <a:off x="7471931" y="2234759"/>
+              <a:ext cx="304800" cy="304800"/>
+            </a:xfrm>
+            <a:prstGeom prst="ellipse">
+              <a:avLst/>
+            </a:prstGeom>
+            <a:solidFill>
+              <a:schemeClr val="bg1"/>
+            </a:solidFill>
+            <a:ln w="12700">
+              <a:solidFill>
+                <a:schemeClr val="tx1"/>
+              </a:solidFill>
+            </a:ln>
+          </p:spPr>
+          <p:style>
+            <a:lnRef idx="2">
+              <a:schemeClr val="accent1">
+                <a:shade val="50000"/>
+              </a:schemeClr>
+            </a:lnRef>
+            <a:fillRef idx="1">
+              <a:schemeClr val="accent1"/>
+            </a:fillRef>
+            <a:effectRef idx="0">
+              <a:schemeClr val="accent1"/>
+            </a:effectRef>
+            <a:fontRef idx="minor">
+              <a:schemeClr val="lt1"/>
+            </a:fontRef>
+          </p:style>
+          <p:txBody>
+            <a:bodyPr rtlCol="0" anchor="ctr"/>
+            <a:lstStyle/>
+            <a:p>
+              <a:pPr algn="ctr"/>
+              <a:endParaRPr lang="en-US"/>
+            </a:p>
+          </p:txBody>
+        </p:sp>
+        <p:sp>
+          <p:nvSpPr>
+            <p:cNvPr id="51" name="Oval 50"/>
+            <p:cNvSpPr/>
+            <p:nvPr/>
+          </p:nvSpPr>
+          <p:spPr>
+            <a:xfrm>
+              <a:off x="7471932" y="4751233"/>
+              <a:ext cx="304800" cy="304800"/>
+            </a:xfrm>
+            <a:prstGeom prst="ellipse">
+              <a:avLst/>
+            </a:prstGeom>
+            <a:solidFill>
+              <a:schemeClr val="bg1"/>
+            </a:solidFill>
+            <a:ln w="12700">
+              <a:solidFill>
+                <a:schemeClr val="tx1"/>
+              </a:solidFill>
+            </a:ln>
+          </p:spPr>
+          <p:style>
+            <a:lnRef idx="2">
+              <a:schemeClr val="accent1">
+                <a:shade val="50000"/>
+              </a:schemeClr>
+            </a:lnRef>
+            <a:fillRef idx="1">
+              <a:schemeClr val="accent1"/>
+            </a:fillRef>
+            <a:effectRef idx="0">
+              <a:schemeClr val="accent1"/>
+            </a:effectRef>
+            <a:fontRef idx="minor">
+              <a:schemeClr val="lt1"/>
+            </a:fontRef>
+          </p:style>
+          <p:txBody>
+            <a:bodyPr rtlCol="0" anchor="ctr"/>
+            <a:lstStyle/>
+            <a:p>
+              <a:pPr algn="ctr"/>
+              <a:endParaRPr lang="en-US"/>
+            </a:p>
+          </p:txBody>
+        </p:sp>
+        <p:sp>
+          <p:nvSpPr>
+            <p:cNvPr id="52" name="Rectangle 51"/>
+            <p:cNvSpPr/>
+            <p:nvPr/>
+          </p:nvSpPr>
+          <p:spPr>
+            <a:xfrm>
+              <a:off x="6885741" y="3041290"/>
+              <a:ext cx="1473200" cy="985976"/>
+            </a:xfrm>
+            <a:prstGeom prst="rect">
+              <a:avLst/>
+            </a:prstGeom>
+            <a:solidFill>
+              <a:schemeClr val="accent2">
+                <a:lumMod val="75000"/>
+              </a:schemeClr>
+            </a:solidFill>
+          </p:spPr>
+          <p:style>
+            <a:lnRef idx="1">
+              <a:schemeClr val="accent4"/>
+            </a:lnRef>
+            <a:fillRef idx="2">
+              <a:schemeClr val="accent4"/>
+            </a:fillRef>
+            <a:effectRef idx="1">
+              <a:schemeClr val="accent4"/>
+            </a:effectRef>
+            <a:fontRef idx="minor">
+              <a:schemeClr val="dk1"/>
+            </a:fontRef>
+          </p:style>
+          <p:txBody>
+            <a:bodyPr rtlCol="0" anchor="ctr"/>
+            <a:lstStyle/>
+            <a:p>
+              <a:pPr algn="ctr"/>
+              <a:r>
+                <a:rPr lang="en-US" b="1" dirty="0" smtClean="0">
+                  <a:solidFill>
+                    <a:schemeClr val="tx1"/>
+                  </a:solidFill>
+                </a:rPr>
+                <a:t>TSPO PET</a:t>
+              </a:r>
+              <a:endParaRPr lang="en-US" b="1" dirty="0">
+                <a:solidFill>
+                  <a:schemeClr val="tx1"/>
+                </a:solidFill>
+              </a:endParaRPr>
+            </a:p>
+            <a:p>
+              <a:pPr algn="ctr"/>
+              <a:r>
+                <a:rPr lang="en-US" i="1" dirty="0" smtClean="0">
+                  <a:solidFill>
+                    <a:schemeClr val="tx1"/>
+                  </a:solidFill>
+                </a:rPr>
+                <a:t>Blood Sample</a:t>
+              </a:r>
+            </a:p>
+            <a:p>
+              <a:pPr algn="ctr"/>
+              <a:r>
+                <a:rPr lang="en-US" i="1" dirty="0" smtClean="0">
+                  <a:solidFill>
+                    <a:schemeClr val="tx1"/>
+                  </a:solidFill>
+                </a:rPr>
+                <a:t>Cog Battery</a:t>
+              </a:r>
+              <a:endParaRPr lang="en-US" i="1" dirty="0">
+                <a:solidFill>
+                  <a:schemeClr val="tx1"/>
+                </a:solidFill>
+              </a:endParaRPr>
+            </a:p>
+          </p:txBody>
+        </p:sp>
+        <p:cxnSp>
+          <p:nvCxnSpPr>
+            <p:cNvPr id="53" name="Straight Connector 52"/>
+            <p:cNvCxnSpPr/>
+            <p:nvPr/>
+          </p:nvCxnSpPr>
+          <p:spPr>
+            <a:xfrm>
+              <a:off x="9042019" y="2564202"/>
+              <a:ext cx="0" cy="795935"/>
+            </a:xfrm>
+            <a:prstGeom prst="line">
+              <a:avLst/>
+            </a:prstGeom>
+            <a:ln w="25400">
+              <a:solidFill>
+                <a:schemeClr val="bg1">
+                  <a:lumMod val="75000"/>
+                </a:schemeClr>
+              </a:solidFill>
+            </a:ln>
+          </p:spPr>
+          <p:style>
+            <a:lnRef idx="1">
+              <a:schemeClr val="accent1"/>
+            </a:lnRef>
+            <a:fillRef idx="0">
+              <a:schemeClr val="accent1"/>
+            </a:fillRef>
+            <a:effectRef idx="0">
+              <a:schemeClr val="accent1"/>
+            </a:effectRef>
+            <a:fontRef idx="minor">
+              <a:schemeClr val="tx1"/>
+            </a:fontRef>
+          </p:style>
+        </p:cxnSp>
+        <p:sp>
+          <p:nvSpPr>
+            <p:cNvPr id="54" name="Oval 53"/>
+            <p:cNvSpPr/>
+            <p:nvPr/>
+          </p:nvSpPr>
+          <p:spPr>
+            <a:xfrm>
+              <a:off x="8889619" y="2259402"/>
+              <a:ext cx="304800" cy="304800"/>
+            </a:xfrm>
+            <a:prstGeom prst="ellipse">
+              <a:avLst/>
+            </a:prstGeom>
+            <a:solidFill>
+              <a:schemeClr val="bg1"/>
+            </a:solidFill>
+            <a:ln w="12700">
+              <a:solidFill>
+                <a:schemeClr val="tx1"/>
+              </a:solidFill>
+            </a:ln>
+          </p:spPr>
+          <p:style>
+            <a:lnRef idx="2">
+              <a:schemeClr val="accent1">
+                <a:shade val="50000"/>
+              </a:schemeClr>
+            </a:lnRef>
+            <a:fillRef idx="1">
+              <a:schemeClr val="accent1"/>
+            </a:fillRef>
+            <a:effectRef idx="0">
+              <a:schemeClr val="accent1"/>
+            </a:effectRef>
+            <a:fontRef idx="minor">
+              <a:schemeClr val="lt1"/>
+            </a:fontRef>
+          </p:style>
+          <p:txBody>
+            <a:bodyPr rtlCol="0" anchor="ctr"/>
+            <a:lstStyle/>
+            <a:p>
+              <a:pPr algn="ctr"/>
+              <a:endParaRPr lang="en-US"/>
+            </a:p>
+          </p:txBody>
+        </p:sp>
+        <p:sp>
+          <p:nvSpPr>
+            <p:cNvPr id="55" name="Rectangle 54"/>
+            <p:cNvSpPr/>
+            <p:nvPr/>
+          </p:nvSpPr>
+          <p:spPr>
+            <a:xfrm>
+              <a:off x="8543091" y="3202467"/>
+              <a:ext cx="987426" cy="683656"/>
+            </a:xfrm>
+            <a:prstGeom prst="rect">
+              <a:avLst/>
+            </a:prstGeom>
+            <a:solidFill>
+              <a:schemeClr val="accent2">
+                <a:lumMod val="75000"/>
+              </a:schemeClr>
+            </a:solidFill>
+          </p:spPr>
+          <p:style>
+            <a:lnRef idx="1">
+              <a:schemeClr val="accent4"/>
+            </a:lnRef>
+            <a:fillRef idx="2">
+              <a:schemeClr val="accent4"/>
+            </a:fillRef>
+            <a:effectRef idx="1">
+              <a:schemeClr val="accent4"/>
+            </a:effectRef>
+            <a:fontRef idx="minor">
+              <a:schemeClr val="dk1"/>
+            </a:fontRef>
+          </p:style>
+          <p:txBody>
+            <a:bodyPr rtlCol="0" anchor="ctr"/>
+            <a:lstStyle/>
+            <a:p>
+              <a:pPr algn="ctr"/>
+              <a:r>
+                <a:rPr lang="en-US" dirty="0" smtClean="0">
+                  <a:solidFill>
+                    <a:schemeClr val="tx1"/>
+                  </a:solidFill>
+                </a:rPr>
+                <a:t>Clinic/</a:t>
+              </a:r>
+              <a:br>
+                <a:rPr lang="en-US" dirty="0" smtClean="0">
+                  <a:solidFill>
+                    <a:schemeClr val="tx1"/>
+                  </a:solidFill>
+                </a:rPr>
+              </a:br>
+              <a:r>
+                <a:rPr lang="en-US" dirty="0" smtClean="0">
+                  <a:solidFill>
+                    <a:schemeClr val="tx1"/>
+                  </a:solidFill>
+                </a:rPr>
+                <a:t>Monitor</a:t>
+              </a:r>
+              <a:endParaRPr lang="en-US" dirty="0">
+                <a:solidFill>
+                  <a:schemeClr val="tx1"/>
+                </a:solidFill>
+              </a:endParaRPr>
+            </a:p>
+          </p:txBody>
+        </p:sp>
+        <p:cxnSp>
+          <p:nvCxnSpPr>
+            <p:cNvPr id="56" name="Straight Connector 55"/>
+            <p:cNvCxnSpPr/>
+            <p:nvPr/>
+          </p:nvCxnSpPr>
+          <p:spPr>
+            <a:xfrm>
+              <a:off x="10466728" y="2538897"/>
+              <a:ext cx="0" cy="795935"/>
+            </a:xfrm>
+            <a:prstGeom prst="line">
+              <a:avLst/>
+            </a:prstGeom>
+            <a:ln w="25400">
+              <a:solidFill>
+                <a:schemeClr val="bg1">
+                  <a:lumMod val="75000"/>
+                </a:schemeClr>
+              </a:solidFill>
+            </a:ln>
+          </p:spPr>
+          <p:style>
+            <a:lnRef idx="1">
+              <a:schemeClr val="accent1"/>
+            </a:lnRef>
+            <a:fillRef idx="0">
+              <a:schemeClr val="accent1"/>
+            </a:fillRef>
+            <a:effectRef idx="0">
+              <a:schemeClr val="accent1"/>
+            </a:effectRef>
+            <a:fontRef idx="minor">
+              <a:schemeClr val="tx1"/>
+            </a:fontRef>
+          </p:style>
+        </p:cxnSp>
+        <p:sp>
+          <p:nvSpPr>
+            <p:cNvPr id="57" name="Oval 56"/>
+            <p:cNvSpPr/>
+            <p:nvPr/>
+          </p:nvSpPr>
+          <p:spPr>
+            <a:xfrm>
+              <a:off x="10314328" y="2234097"/>
+              <a:ext cx="304800" cy="304800"/>
+            </a:xfrm>
+            <a:prstGeom prst="ellipse">
+              <a:avLst/>
+            </a:prstGeom>
+            <a:solidFill>
+              <a:schemeClr val="bg1"/>
+            </a:solidFill>
+            <a:ln w="12700">
+              <a:solidFill>
+                <a:schemeClr val="tx1"/>
+              </a:solidFill>
+            </a:ln>
+          </p:spPr>
+          <p:style>
+            <a:lnRef idx="2">
+              <a:schemeClr val="accent1">
+                <a:shade val="50000"/>
+              </a:schemeClr>
+            </a:lnRef>
+            <a:fillRef idx="1">
+              <a:schemeClr val="accent1"/>
+            </a:fillRef>
+            <a:effectRef idx="0">
+              <a:schemeClr val="accent1"/>
+            </a:effectRef>
+            <a:fontRef idx="minor">
+              <a:schemeClr val="lt1"/>
+            </a:fontRef>
+          </p:style>
+          <p:txBody>
+            <a:bodyPr rtlCol="0" anchor="ctr"/>
+            <a:lstStyle/>
+            <a:p>
+              <a:pPr algn="ctr"/>
+              <a:endParaRPr lang="en-US"/>
+            </a:p>
+          </p:txBody>
+        </p:sp>
+        <p:sp>
+          <p:nvSpPr>
+            <p:cNvPr id="58" name="Rectangle 57"/>
+            <p:cNvSpPr/>
+            <p:nvPr/>
+          </p:nvSpPr>
+          <p:spPr>
+            <a:xfrm>
+              <a:off x="9699850" y="3198520"/>
+              <a:ext cx="1473201" cy="683656"/>
+            </a:xfrm>
+            <a:prstGeom prst="rect">
+              <a:avLst/>
+            </a:prstGeom>
+            <a:solidFill>
+              <a:schemeClr val="accent2">
+                <a:lumMod val="75000"/>
+              </a:schemeClr>
+            </a:solidFill>
+          </p:spPr>
+          <p:style>
+            <a:lnRef idx="1">
+              <a:schemeClr val="accent4"/>
+            </a:lnRef>
+            <a:fillRef idx="2">
+              <a:schemeClr val="accent4"/>
+            </a:fillRef>
+            <a:effectRef idx="1">
+              <a:schemeClr val="accent4"/>
+            </a:effectRef>
+            <a:fontRef idx="minor">
+              <a:schemeClr val="dk1"/>
+            </a:fontRef>
+          </p:style>
+          <p:txBody>
+            <a:bodyPr rtlCol="0" anchor="ctr"/>
+            <a:lstStyle/>
+            <a:p>
+              <a:pPr algn="ctr"/>
+              <a:r>
+                <a:rPr lang="en-US" i="1" dirty="0" smtClean="0">
+                  <a:solidFill>
+                    <a:schemeClr val="tx1"/>
+                  </a:solidFill>
+                </a:rPr>
+                <a:t>Cog Battery</a:t>
+              </a:r>
+            </a:p>
+            <a:p>
+              <a:pPr algn="ctr"/>
+              <a:r>
+                <a:rPr lang="en-US" i="1" dirty="0" smtClean="0">
+                  <a:solidFill>
+                    <a:schemeClr val="tx1"/>
+                  </a:solidFill>
+                </a:rPr>
+                <a:t>Blood Sample</a:t>
+              </a:r>
+              <a:endParaRPr lang="en-US" i="1" dirty="0">
+                <a:solidFill>
+                  <a:schemeClr val="tx1"/>
+                </a:solidFill>
+              </a:endParaRPr>
+            </a:p>
+          </p:txBody>
+        </p:sp>
+        <p:sp>
+          <p:nvSpPr>
+            <p:cNvPr id="59" name="TextBox 58"/>
+            <p:cNvSpPr txBox="1"/>
+            <p:nvPr/>
+          </p:nvSpPr>
+          <p:spPr>
+            <a:xfrm>
+              <a:off x="7133042" y="1922531"/>
+              <a:ext cx="968535" cy="369332"/>
+            </a:xfrm>
+            <a:prstGeom prst="rect">
+              <a:avLst/>
+            </a:prstGeom>
+            <a:noFill/>
+          </p:spPr>
+          <p:txBody>
+            <a:bodyPr wrap="none" rtlCol="0">
+              <a:spAutoFit/>
+            </a:bodyPr>
+            <a:lstStyle/>
+            <a:p>
+              <a:pPr algn="ctr"/>
+              <a:r>
+                <a:rPr lang="en-US" dirty="0" smtClean="0"/>
+                <a:t>Baseline</a:t>
+              </a:r>
+              <a:endParaRPr lang="en-US" dirty="0"/>
+            </a:p>
+          </p:txBody>
+        </p:sp>
+        <p:sp>
+          <p:nvSpPr>
+            <p:cNvPr id="60" name="TextBox 59"/>
+            <p:cNvSpPr txBox="1"/>
+            <p:nvPr/>
+          </p:nvSpPr>
+          <p:spPr>
+            <a:xfrm>
+              <a:off x="7289244" y="1073138"/>
+              <a:ext cx="704039" cy="369332"/>
+            </a:xfrm>
+            <a:prstGeom prst="rect">
+              <a:avLst/>
+            </a:prstGeom>
+            <a:noFill/>
+          </p:spPr>
+          <p:txBody>
+            <a:bodyPr wrap="none" rtlCol="0">
+              <a:spAutoFit/>
+            </a:bodyPr>
+            <a:lstStyle/>
+            <a:p>
+              <a:r>
+                <a:rPr lang="en-US" b="1" dirty="0" smtClean="0"/>
+                <a:t>AIM1</a:t>
+              </a:r>
+              <a:endParaRPr lang="en-US" b="1" dirty="0"/>
+            </a:p>
+          </p:txBody>
+        </p:sp>
+        <p:cxnSp>
+          <p:nvCxnSpPr>
+            <p:cNvPr id="61" name="Straight Connector 60"/>
+            <p:cNvCxnSpPr/>
+            <p:nvPr/>
+          </p:nvCxnSpPr>
+          <p:spPr>
+            <a:xfrm flipV="1">
+              <a:off x="7186059" y="1442470"/>
+              <a:ext cx="904426" cy="0"/>
+            </a:xfrm>
+            <a:prstGeom prst="line">
+              <a:avLst/>
+            </a:prstGeom>
+            <a:ln w="25400">
+              <a:solidFill>
+                <a:schemeClr val="tx1"/>
+              </a:solidFill>
+            </a:ln>
+          </p:spPr>
+          <p:style>
+            <a:lnRef idx="1">
+              <a:schemeClr val="accent1"/>
+            </a:lnRef>
+            <a:fillRef idx="0">
+              <a:schemeClr val="accent1"/>
+            </a:fillRef>
+            <a:effectRef idx="0">
+              <a:schemeClr val="accent1"/>
+            </a:effectRef>
+            <a:fontRef idx="minor">
+              <a:schemeClr val="tx1"/>
+            </a:fontRef>
+          </p:style>
+        </p:cxnSp>
+        <p:sp>
+          <p:nvSpPr>
+            <p:cNvPr id="62" name="TextBox 61"/>
+            <p:cNvSpPr txBox="1"/>
+            <p:nvPr/>
+          </p:nvSpPr>
+          <p:spPr>
+            <a:xfrm>
+              <a:off x="8543089" y="1077686"/>
+              <a:ext cx="5543025" cy="369332"/>
+            </a:xfrm>
+            <a:prstGeom prst="rect">
+              <a:avLst/>
+            </a:prstGeom>
+            <a:noFill/>
+          </p:spPr>
+          <p:txBody>
+            <a:bodyPr wrap="square" rtlCol="0">
+              <a:spAutoFit/>
+            </a:bodyPr>
+            <a:lstStyle/>
+            <a:p>
+              <a:pPr algn="ctr"/>
+              <a:r>
+                <a:rPr lang="en-US" b="1" dirty="0" smtClean="0"/>
+                <a:t>AIM2: </a:t>
+              </a:r>
+              <a:r>
+                <a:rPr lang="en-US" dirty="0" smtClean="0"/>
+                <a:t>12 week open-label minocycline trial</a:t>
+              </a:r>
+              <a:endParaRPr lang="en-US" dirty="0"/>
+            </a:p>
+          </p:txBody>
+        </p:sp>
+        <p:cxnSp>
+          <p:nvCxnSpPr>
+            <p:cNvPr id="63" name="Straight Connector 62"/>
+            <p:cNvCxnSpPr/>
+            <p:nvPr/>
+          </p:nvCxnSpPr>
+          <p:spPr>
+            <a:xfrm>
+              <a:off x="8543090" y="1447018"/>
+              <a:ext cx="5543025" cy="0"/>
+            </a:xfrm>
+            <a:prstGeom prst="line">
+              <a:avLst/>
+            </a:prstGeom>
+            <a:ln w="25400">
+              <a:solidFill>
+                <a:schemeClr val="tx1"/>
+              </a:solidFill>
+            </a:ln>
+          </p:spPr>
+          <p:style>
+            <a:lnRef idx="1">
+              <a:schemeClr val="accent1"/>
+            </a:lnRef>
+            <a:fillRef idx="0">
+              <a:schemeClr val="accent1"/>
+            </a:fillRef>
+            <a:effectRef idx="0">
+              <a:schemeClr val="accent1"/>
+            </a:effectRef>
+            <a:fontRef idx="minor">
+              <a:schemeClr val="tx1"/>
+            </a:fontRef>
+          </p:style>
+        </p:cxnSp>
+        <p:sp>
+          <p:nvSpPr>
+            <p:cNvPr id="64" name="TextBox 63"/>
+            <p:cNvSpPr txBox="1"/>
+            <p:nvPr/>
+          </p:nvSpPr>
+          <p:spPr>
+            <a:xfrm>
+              <a:off x="8493330" y="1915375"/>
+              <a:ext cx="1148904" cy="369332"/>
+            </a:xfrm>
+            <a:prstGeom prst="rect">
+              <a:avLst/>
+            </a:prstGeom>
+            <a:noFill/>
+          </p:spPr>
+          <p:txBody>
+            <a:bodyPr wrap="none" rtlCol="0">
+              <a:spAutoFit/>
+            </a:bodyPr>
+            <a:lstStyle/>
+            <a:p>
+              <a:pPr algn="ctr"/>
+              <a:r>
+                <a:rPr lang="en-US" dirty="0" smtClean="0"/>
+                <a:t>Weeks 2,4</a:t>
+              </a:r>
+              <a:endParaRPr lang="en-US" dirty="0"/>
+            </a:p>
+          </p:txBody>
+        </p:sp>
+        <p:sp>
+          <p:nvSpPr>
+            <p:cNvPr id="65" name="TextBox 64"/>
+            <p:cNvSpPr txBox="1"/>
+            <p:nvPr/>
+          </p:nvSpPr>
+          <p:spPr>
+            <a:xfrm>
+              <a:off x="10037609" y="1890070"/>
+              <a:ext cx="886461" cy="369332"/>
+            </a:xfrm>
+            <a:prstGeom prst="rect">
+              <a:avLst/>
+            </a:prstGeom>
+            <a:noFill/>
+          </p:spPr>
+          <p:txBody>
+            <a:bodyPr wrap="none" rtlCol="0">
+              <a:spAutoFit/>
+            </a:bodyPr>
+            <a:lstStyle/>
+            <a:p>
+              <a:pPr algn="ctr"/>
+              <a:r>
+                <a:rPr lang="en-US" dirty="0" smtClean="0"/>
+                <a:t>Week 6</a:t>
+              </a:r>
+              <a:endParaRPr lang="en-US" dirty="0"/>
+            </a:p>
+          </p:txBody>
+        </p:sp>
+        <p:sp>
+          <p:nvSpPr>
+            <p:cNvPr id="66" name="TextBox 65"/>
+            <p:cNvSpPr txBox="1"/>
+            <p:nvPr/>
+          </p:nvSpPr>
+          <p:spPr>
+            <a:xfrm>
+              <a:off x="11199221" y="1890070"/>
+              <a:ext cx="1265924" cy="369332"/>
+            </a:xfrm>
+            <a:prstGeom prst="rect">
+              <a:avLst/>
+            </a:prstGeom>
+            <a:noFill/>
+          </p:spPr>
+          <p:txBody>
+            <a:bodyPr wrap="none" rtlCol="0">
+              <a:spAutoFit/>
+            </a:bodyPr>
+            <a:lstStyle/>
+            <a:p>
+              <a:pPr algn="ctr"/>
+              <a:r>
+                <a:rPr lang="en-US" dirty="0" smtClean="0"/>
+                <a:t>Weeks 8,10</a:t>
+              </a:r>
+              <a:endParaRPr lang="en-US" dirty="0"/>
+            </a:p>
+          </p:txBody>
+        </p:sp>
+        <p:sp>
+          <p:nvSpPr>
+            <p:cNvPr id="67" name="TextBox 66"/>
+            <p:cNvSpPr txBox="1"/>
+            <p:nvPr/>
+          </p:nvSpPr>
+          <p:spPr>
+            <a:xfrm>
+              <a:off x="12762158" y="1922531"/>
+              <a:ext cx="1003480" cy="369332"/>
+            </a:xfrm>
+            <a:prstGeom prst="rect">
+              <a:avLst/>
+            </a:prstGeom>
+            <a:noFill/>
+          </p:spPr>
+          <p:txBody>
+            <a:bodyPr wrap="none" rtlCol="0">
+              <a:spAutoFit/>
+            </a:bodyPr>
+            <a:lstStyle/>
+            <a:p>
+              <a:pPr algn="ctr"/>
+              <a:r>
+                <a:rPr lang="en-US" dirty="0" smtClean="0"/>
+                <a:t>Week 12</a:t>
+              </a:r>
+              <a:endParaRPr lang="en-US" dirty="0"/>
+            </a:p>
+          </p:txBody>
+        </p:sp>
+        <p:cxnSp>
+          <p:nvCxnSpPr>
+            <p:cNvPr id="68" name="Straight Connector 67"/>
+            <p:cNvCxnSpPr/>
+            <p:nvPr/>
+          </p:nvCxnSpPr>
+          <p:spPr>
+            <a:xfrm>
+              <a:off x="11863587" y="2538897"/>
+              <a:ext cx="0" cy="795935"/>
+            </a:xfrm>
+            <a:prstGeom prst="line">
+              <a:avLst/>
+            </a:prstGeom>
+            <a:ln w="25400">
+              <a:solidFill>
+                <a:schemeClr val="bg1">
+                  <a:lumMod val="75000"/>
+                </a:schemeClr>
+              </a:solidFill>
+            </a:ln>
+          </p:spPr>
+          <p:style>
+            <a:lnRef idx="1">
+              <a:schemeClr val="accent1"/>
+            </a:lnRef>
+            <a:fillRef idx="0">
+              <a:schemeClr val="accent1"/>
+            </a:fillRef>
+            <a:effectRef idx="0">
+              <a:schemeClr val="accent1"/>
+            </a:effectRef>
+            <a:fontRef idx="minor">
+              <a:schemeClr val="tx1"/>
+            </a:fontRef>
+          </p:style>
+        </p:cxnSp>
+        <p:sp>
+          <p:nvSpPr>
+            <p:cNvPr id="69" name="Oval 68"/>
+            <p:cNvSpPr/>
+            <p:nvPr/>
+          </p:nvSpPr>
+          <p:spPr>
+            <a:xfrm>
+              <a:off x="11711188" y="2234097"/>
+              <a:ext cx="304800" cy="304800"/>
+            </a:xfrm>
+            <a:prstGeom prst="ellipse">
+              <a:avLst/>
+            </a:prstGeom>
+            <a:solidFill>
+              <a:schemeClr val="bg1"/>
+            </a:solidFill>
+            <a:ln w="12700">
+              <a:solidFill>
+                <a:schemeClr val="tx1"/>
+              </a:solidFill>
+            </a:ln>
+          </p:spPr>
+          <p:style>
+            <a:lnRef idx="2">
+              <a:schemeClr val="accent1">
+                <a:shade val="50000"/>
+              </a:schemeClr>
+            </a:lnRef>
+            <a:fillRef idx="1">
+              <a:schemeClr val="accent1"/>
+            </a:fillRef>
+            <a:effectRef idx="0">
+              <a:schemeClr val="accent1"/>
+            </a:effectRef>
+            <a:fontRef idx="minor">
+              <a:schemeClr val="lt1"/>
+            </a:fontRef>
+          </p:style>
+          <p:txBody>
+            <a:bodyPr rtlCol="0" anchor="ctr"/>
+            <a:lstStyle/>
+            <a:p>
+              <a:pPr algn="ctr"/>
+              <a:endParaRPr lang="en-US"/>
+            </a:p>
+          </p:txBody>
+        </p:sp>
+        <p:sp>
+          <p:nvSpPr>
+            <p:cNvPr id="70" name="Rectangle 69"/>
+            <p:cNvSpPr/>
+            <p:nvPr/>
+          </p:nvSpPr>
+          <p:spPr>
+            <a:xfrm>
+              <a:off x="11375192" y="3202223"/>
+              <a:ext cx="1004358" cy="683656"/>
+            </a:xfrm>
+            <a:prstGeom prst="rect">
+              <a:avLst/>
+            </a:prstGeom>
+            <a:solidFill>
+              <a:schemeClr val="accent2">
+                <a:lumMod val="75000"/>
+              </a:schemeClr>
+            </a:solidFill>
+          </p:spPr>
+          <p:style>
+            <a:lnRef idx="1">
+              <a:schemeClr val="accent4"/>
+            </a:lnRef>
+            <a:fillRef idx="2">
+              <a:schemeClr val="accent4"/>
+            </a:fillRef>
+            <a:effectRef idx="1">
+              <a:schemeClr val="accent4"/>
+            </a:effectRef>
+            <a:fontRef idx="minor">
+              <a:schemeClr val="dk1"/>
+            </a:fontRef>
+          </p:style>
+          <p:txBody>
+            <a:bodyPr rtlCol="0" anchor="ctr"/>
+            <a:lstStyle/>
+            <a:p>
+              <a:pPr algn="ctr"/>
+              <a:r>
+                <a:rPr lang="en-US" dirty="0" smtClean="0">
+                  <a:solidFill>
+                    <a:schemeClr val="tx1"/>
+                  </a:solidFill>
+                </a:rPr>
+                <a:t>Clinic/</a:t>
+              </a:r>
+              <a:br>
+                <a:rPr lang="en-US" dirty="0" smtClean="0">
+                  <a:solidFill>
+                    <a:schemeClr val="tx1"/>
+                  </a:solidFill>
+                </a:rPr>
+              </a:br>
+              <a:r>
+                <a:rPr lang="en-US" dirty="0" smtClean="0">
+                  <a:solidFill>
+                    <a:schemeClr val="tx1"/>
+                  </a:solidFill>
+                </a:rPr>
+                <a:t>Monitor</a:t>
+              </a:r>
+              <a:endParaRPr lang="en-US" dirty="0">
+                <a:solidFill>
+                  <a:schemeClr val="tx1"/>
+                </a:solidFill>
+              </a:endParaRPr>
+            </a:p>
+          </p:txBody>
+        </p:sp>
+        <p:cxnSp>
+          <p:nvCxnSpPr>
+            <p:cNvPr id="71" name="Straight Connector 70"/>
+            <p:cNvCxnSpPr/>
+            <p:nvPr/>
+          </p:nvCxnSpPr>
+          <p:spPr>
+            <a:xfrm>
+              <a:off x="13282311" y="2571358"/>
+              <a:ext cx="0" cy="795935"/>
+            </a:xfrm>
+            <a:prstGeom prst="line">
+              <a:avLst/>
+            </a:prstGeom>
+            <a:ln w="25400">
+              <a:solidFill>
+                <a:schemeClr val="bg1">
+                  <a:lumMod val="75000"/>
+                </a:schemeClr>
+              </a:solidFill>
+            </a:ln>
+          </p:spPr>
+          <p:style>
+            <a:lnRef idx="1">
+              <a:schemeClr val="accent1"/>
+            </a:lnRef>
+            <a:fillRef idx="0">
+              <a:schemeClr val="accent1"/>
+            </a:fillRef>
+            <a:effectRef idx="0">
+              <a:schemeClr val="accent1"/>
+            </a:effectRef>
+            <a:fontRef idx="minor">
+              <a:schemeClr val="tx1"/>
+            </a:fontRef>
+          </p:style>
+        </p:cxnSp>
+        <p:sp>
+          <p:nvSpPr>
+            <p:cNvPr id="72" name="Oval 71"/>
+            <p:cNvSpPr/>
+            <p:nvPr/>
+          </p:nvSpPr>
+          <p:spPr>
+            <a:xfrm>
+              <a:off x="13129911" y="2266558"/>
+              <a:ext cx="304800" cy="304800"/>
+            </a:xfrm>
+            <a:prstGeom prst="ellipse">
+              <a:avLst/>
+            </a:prstGeom>
+            <a:solidFill>
+              <a:schemeClr val="bg1"/>
+            </a:solidFill>
+            <a:ln w="12700">
+              <a:solidFill>
+                <a:schemeClr val="tx1"/>
+              </a:solidFill>
+            </a:ln>
+          </p:spPr>
+          <p:style>
+            <a:lnRef idx="2">
+              <a:schemeClr val="accent1">
+                <a:shade val="50000"/>
+              </a:schemeClr>
+            </a:lnRef>
+            <a:fillRef idx="1">
+              <a:schemeClr val="accent1"/>
+            </a:fillRef>
+            <a:effectRef idx="0">
+              <a:schemeClr val="accent1"/>
+            </a:effectRef>
+            <a:fontRef idx="minor">
+              <a:schemeClr val="lt1"/>
+            </a:fontRef>
+          </p:style>
+          <p:txBody>
+            <a:bodyPr rtlCol="0" anchor="ctr"/>
+            <a:lstStyle/>
+            <a:p>
+              <a:pPr algn="ctr"/>
+              <a:endParaRPr lang="en-US"/>
+            </a:p>
+          </p:txBody>
+        </p:sp>
+        <p:sp>
+          <p:nvSpPr>
+            <p:cNvPr id="73" name="Rectangle 72"/>
+            <p:cNvSpPr/>
+            <p:nvPr/>
+          </p:nvSpPr>
+          <p:spPr>
+            <a:xfrm>
+              <a:off x="12545710" y="3051063"/>
+              <a:ext cx="1473198" cy="985976"/>
+            </a:xfrm>
+            <a:prstGeom prst="rect">
+              <a:avLst/>
+            </a:prstGeom>
+            <a:solidFill>
+              <a:schemeClr val="accent2">
+                <a:lumMod val="75000"/>
+              </a:schemeClr>
+            </a:solidFill>
+          </p:spPr>
+          <p:style>
+            <a:lnRef idx="1">
+              <a:schemeClr val="accent4"/>
+            </a:lnRef>
+            <a:fillRef idx="2">
+              <a:schemeClr val="accent4"/>
+            </a:fillRef>
+            <a:effectRef idx="1">
+              <a:schemeClr val="accent4"/>
+            </a:effectRef>
+            <a:fontRef idx="minor">
+              <a:schemeClr val="dk1"/>
+            </a:fontRef>
+          </p:style>
+          <p:txBody>
+            <a:bodyPr rtlCol="0" anchor="ctr"/>
+            <a:lstStyle/>
+            <a:p>
+              <a:pPr algn="ctr"/>
+              <a:r>
+                <a:rPr lang="en-US" b="1" dirty="0" smtClean="0">
+                  <a:solidFill>
+                    <a:schemeClr val="tx1"/>
+                  </a:solidFill>
+                </a:rPr>
+                <a:t>TSPO PET</a:t>
+              </a:r>
+              <a:endParaRPr lang="en-US" b="1" dirty="0">
+                <a:solidFill>
+                  <a:schemeClr val="tx1"/>
+                </a:solidFill>
+              </a:endParaRPr>
+            </a:p>
+            <a:p>
+              <a:pPr algn="ctr"/>
+              <a:r>
+                <a:rPr lang="en-US" i="1" dirty="0" smtClean="0">
+                  <a:solidFill>
+                    <a:schemeClr val="tx1"/>
+                  </a:solidFill>
+                </a:rPr>
+                <a:t>Blood Sample</a:t>
+              </a:r>
+            </a:p>
+            <a:p>
+              <a:pPr algn="ctr"/>
+              <a:r>
+                <a:rPr lang="en-US" i="1" dirty="0" smtClean="0">
+                  <a:solidFill>
+                    <a:schemeClr val="tx1"/>
+                  </a:solidFill>
+                </a:rPr>
+                <a:t>Cog Battery</a:t>
+              </a:r>
+              <a:endParaRPr lang="en-US" i="1" dirty="0">
+                <a:solidFill>
+                  <a:schemeClr val="tx1"/>
+                </a:solidFill>
+              </a:endParaRPr>
+            </a:p>
+          </p:txBody>
+        </p:sp>
+        <p:sp>
+          <p:nvSpPr>
+            <p:cNvPr id="74" name="TextBox 73"/>
+            <p:cNvSpPr txBox="1"/>
+            <p:nvPr/>
+          </p:nvSpPr>
+          <p:spPr>
+            <a:xfrm>
+              <a:off x="8543090" y="1413703"/>
+              <a:ext cx="2702380" cy="369332"/>
+            </a:xfrm>
+            <a:prstGeom prst="rect">
+              <a:avLst/>
+            </a:prstGeom>
+            <a:noFill/>
+          </p:spPr>
+          <p:txBody>
+            <a:bodyPr wrap="square" rtlCol="0">
+              <a:spAutoFit/>
+            </a:bodyPr>
+            <a:lstStyle/>
+            <a:p>
+              <a:pPr algn="ctr"/>
+              <a:r>
+                <a:rPr lang="en-US" dirty="0" smtClean="0"/>
+                <a:t>100 mg / day</a:t>
+              </a:r>
+              <a:endParaRPr lang="en-US" dirty="0"/>
+            </a:p>
+          </p:txBody>
+        </p:sp>
+        <p:cxnSp>
+          <p:nvCxnSpPr>
+            <p:cNvPr id="75" name="Straight Connector 74"/>
+            <p:cNvCxnSpPr/>
+            <p:nvPr/>
+          </p:nvCxnSpPr>
+          <p:spPr>
+            <a:xfrm>
+              <a:off x="8543091" y="1779797"/>
+              <a:ext cx="2702379" cy="0"/>
+            </a:xfrm>
+            <a:prstGeom prst="line">
+              <a:avLst/>
+            </a:prstGeom>
+            <a:ln w="25400">
+              <a:solidFill>
+                <a:schemeClr val="tx1"/>
+              </a:solidFill>
+            </a:ln>
+          </p:spPr>
+          <p:style>
+            <a:lnRef idx="1">
+              <a:schemeClr val="accent1"/>
+            </a:lnRef>
+            <a:fillRef idx="0">
+              <a:schemeClr val="accent1"/>
+            </a:fillRef>
+            <a:effectRef idx="0">
+              <a:schemeClr val="accent1"/>
+            </a:effectRef>
+            <a:fontRef idx="minor">
+              <a:schemeClr val="tx1"/>
+            </a:fontRef>
+          </p:style>
+        </p:cxnSp>
+        <p:sp>
+          <p:nvSpPr>
+            <p:cNvPr id="76" name="TextBox 75"/>
+            <p:cNvSpPr txBox="1"/>
+            <p:nvPr/>
+          </p:nvSpPr>
+          <p:spPr>
+            <a:xfrm>
+              <a:off x="11388952" y="1413701"/>
+              <a:ext cx="2685652" cy="369332"/>
+            </a:xfrm>
+            <a:prstGeom prst="rect">
+              <a:avLst/>
+            </a:prstGeom>
+            <a:noFill/>
+          </p:spPr>
+          <p:txBody>
+            <a:bodyPr wrap="square" rtlCol="0">
+              <a:spAutoFit/>
+            </a:bodyPr>
+            <a:lstStyle/>
+            <a:p>
+              <a:pPr algn="ctr"/>
+              <a:r>
+                <a:rPr lang="en-US" dirty="0"/>
+                <a:t>2</a:t>
+              </a:r>
+              <a:r>
+                <a:rPr lang="en-US" dirty="0" smtClean="0"/>
+                <a:t>00 mg / day</a:t>
+              </a:r>
+              <a:endParaRPr lang="en-US" dirty="0"/>
+            </a:p>
+          </p:txBody>
+        </p:sp>
+        <p:cxnSp>
+          <p:nvCxnSpPr>
+            <p:cNvPr id="77" name="Straight Connector 76"/>
+            <p:cNvCxnSpPr/>
+            <p:nvPr/>
+          </p:nvCxnSpPr>
+          <p:spPr>
+            <a:xfrm>
+              <a:off x="11375192" y="1779796"/>
+              <a:ext cx="2710923" cy="0"/>
+            </a:xfrm>
+            <a:prstGeom prst="line">
+              <a:avLst/>
+            </a:prstGeom>
+            <a:ln w="25400">
+              <a:solidFill>
+                <a:schemeClr val="tx1"/>
+              </a:solidFill>
+            </a:ln>
+          </p:spPr>
+          <p:style>
+            <a:lnRef idx="1">
+              <a:schemeClr val="accent1"/>
+            </a:lnRef>
+            <a:fillRef idx="0">
+              <a:schemeClr val="accent1"/>
+            </a:fillRef>
+            <a:effectRef idx="0">
+              <a:schemeClr val="accent1"/>
+            </a:effectRef>
+            <a:fontRef idx="minor">
+              <a:schemeClr val="tx1"/>
+            </a:fontRef>
+          </p:style>
+        </p:cxnSp>
+        <p:sp>
+          <p:nvSpPr>
+            <p:cNvPr id="78" name="TextBox 77"/>
+            <p:cNvSpPr txBox="1"/>
+            <p:nvPr/>
+          </p:nvSpPr>
+          <p:spPr>
+            <a:xfrm>
+              <a:off x="6885740" y="5593713"/>
+              <a:ext cx="6917269" cy="646331"/>
+            </a:xfrm>
+            <a:prstGeom prst="rect">
+              <a:avLst/>
+            </a:prstGeom>
+            <a:noFill/>
+          </p:spPr>
+          <p:txBody>
+            <a:bodyPr wrap="square" rtlCol="0">
+              <a:spAutoFit/>
+            </a:bodyPr>
+            <a:lstStyle/>
+            <a:p>
+              <a:pPr algn="ctr"/>
+              <a:r>
+                <a:rPr lang="en-US" b="1" dirty="0" smtClean="0"/>
+                <a:t>AIM3: </a:t>
+              </a:r>
+              <a:r>
+                <a:rPr lang="en-US" i="1" dirty="0" smtClean="0">
+                  <a:solidFill>
+                    <a:schemeClr val="accent5">
+                      <a:lumMod val="75000"/>
+                    </a:schemeClr>
+                  </a:solidFill>
+                </a:rPr>
+                <a:t>Cognitive, behavioral, clinical outcome measures</a:t>
+              </a:r>
+            </a:p>
+            <a:p>
+              <a:pPr algn="ctr"/>
+              <a:r>
+                <a:rPr lang="en-US" i="1" dirty="0" smtClean="0">
+                  <a:solidFill>
+                    <a:schemeClr val="accent5">
+                      <a:lumMod val="75000"/>
+                    </a:schemeClr>
+                  </a:solidFill>
+                </a:rPr>
+                <a:t>Cognition (MATRICS), CGI-I, CGI-S, Anxiety &amp; Depression</a:t>
+              </a:r>
+              <a:endParaRPr lang="en-US" i="1" dirty="0">
+                <a:solidFill>
+                  <a:schemeClr val="accent5">
+                    <a:lumMod val="75000"/>
+                  </a:schemeClr>
+                </a:solidFill>
+              </a:endParaRPr>
+            </a:p>
+          </p:txBody>
+        </p:sp>
+        <p:cxnSp>
+          <p:nvCxnSpPr>
+            <p:cNvPr id="79" name="Straight Connector 78"/>
+            <p:cNvCxnSpPr/>
+            <p:nvPr/>
+          </p:nvCxnSpPr>
+          <p:spPr>
+            <a:xfrm flipV="1">
+              <a:off x="6863515" y="5577765"/>
+              <a:ext cx="6939495" cy="15948"/>
+            </a:xfrm>
+            <a:prstGeom prst="line">
+              <a:avLst/>
+            </a:prstGeom>
+            <a:ln w="25400">
+              <a:solidFill>
+                <a:schemeClr val="tx1"/>
+              </a:solidFill>
+            </a:ln>
+          </p:spPr>
+          <p:style>
+            <a:lnRef idx="1">
+              <a:schemeClr val="accent1"/>
+            </a:lnRef>
+            <a:fillRef idx="0">
+              <a:schemeClr val="accent1"/>
+            </a:fillRef>
+            <a:effectRef idx="0">
+              <a:schemeClr val="accent1"/>
+            </a:effectRef>
+            <a:fontRef idx="minor">
+              <a:schemeClr val="tx1"/>
+            </a:fontRef>
+          </p:style>
+        </p:cxnSp>
+        <p:sp>
+          <p:nvSpPr>
+            <p:cNvPr id="80" name="Rounded Rectangle 79"/>
+            <p:cNvSpPr/>
+            <p:nvPr/>
+          </p:nvSpPr>
+          <p:spPr>
+            <a:xfrm>
+              <a:off x="5663368" y="1969791"/>
+              <a:ext cx="1200147" cy="834736"/>
+            </a:xfrm>
+            <a:prstGeom prst="roundRect">
+              <a:avLst/>
+            </a:prstGeom>
+          </p:spPr>
+          <p:style>
+            <a:lnRef idx="2">
+              <a:schemeClr val="accent1">
+                <a:shade val="50000"/>
+              </a:schemeClr>
+            </a:lnRef>
+            <a:fillRef idx="1">
+              <a:schemeClr val="accent1"/>
+            </a:fillRef>
+            <a:effectRef idx="0">
+              <a:schemeClr val="accent1"/>
+            </a:effectRef>
+            <a:fontRef idx="minor">
+              <a:schemeClr val="lt1"/>
+            </a:fontRef>
+          </p:style>
+          <p:txBody>
+            <a:bodyPr rtlCol="0" anchor="ctr"/>
+            <a:lstStyle/>
+            <a:p>
+              <a:pPr algn="ctr"/>
+              <a:r>
+                <a:rPr lang="en-US" dirty="0" smtClean="0"/>
+                <a:t>N=15, Adults with ASD</a:t>
+              </a:r>
+              <a:endParaRPr lang="en-US" dirty="0"/>
+            </a:p>
+          </p:txBody>
+        </p:sp>
+        <p:sp>
+          <p:nvSpPr>
+            <p:cNvPr id="81" name="Oval 80"/>
+            <p:cNvSpPr/>
+            <p:nvPr/>
+          </p:nvSpPr>
+          <p:spPr>
+            <a:xfrm>
+              <a:off x="3629149" y="3336937"/>
+              <a:ext cx="304800" cy="304800"/>
+            </a:xfrm>
+            <a:prstGeom prst="ellipse">
+              <a:avLst/>
+            </a:prstGeom>
+            <a:solidFill>
+              <a:schemeClr val="bg1"/>
+            </a:solidFill>
+            <a:ln w="12700">
+              <a:solidFill>
+                <a:schemeClr val="tx1"/>
+              </a:solidFill>
+            </a:ln>
+          </p:spPr>
+          <p:style>
+            <a:lnRef idx="2">
+              <a:schemeClr val="accent1">
+                <a:shade val="50000"/>
+              </a:schemeClr>
+            </a:lnRef>
+            <a:fillRef idx="1">
+              <a:schemeClr val="accent1"/>
+            </a:fillRef>
+            <a:effectRef idx="0">
+              <a:schemeClr val="accent1"/>
+            </a:effectRef>
+            <a:fontRef idx="minor">
+              <a:schemeClr val="lt1"/>
+            </a:fontRef>
+          </p:style>
+          <p:txBody>
+            <a:bodyPr rtlCol="0" anchor="ctr"/>
+            <a:lstStyle/>
+            <a:p>
+              <a:pPr algn="ctr"/>
+              <a:endParaRPr lang="en-US"/>
+            </a:p>
+          </p:txBody>
+        </p:sp>
+        <p:sp>
+          <p:nvSpPr>
+            <p:cNvPr id="82" name="TextBox 81"/>
+            <p:cNvSpPr txBox="1"/>
+            <p:nvPr/>
+          </p:nvSpPr>
+          <p:spPr>
+            <a:xfrm>
+              <a:off x="3190785" y="2789453"/>
+              <a:ext cx="1234120" cy="523220"/>
+            </a:xfrm>
+            <a:prstGeom prst="rect">
+              <a:avLst/>
+            </a:prstGeom>
+            <a:noFill/>
+          </p:spPr>
+          <p:txBody>
+            <a:bodyPr wrap="none" rtlCol="0">
+              <a:spAutoFit/>
+            </a:bodyPr>
+            <a:lstStyle/>
+            <a:p>
+              <a:pPr algn="ctr"/>
+              <a:r>
+                <a:rPr lang="en-US" sz="1400" dirty="0" smtClean="0"/>
+                <a:t>Clinical Screen</a:t>
+              </a:r>
+              <a:br>
+                <a:rPr lang="en-US" sz="1400" dirty="0" smtClean="0"/>
+              </a:br>
+              <a:r>
+                <a:rPr lang="en-US" sz="1400" dirty="0" smtClean="0"/>
+                <a:t>Genotype</a:t>
+              </a:r>
+              <a:endParaRPr lang="en-US" sz="1400" dirty="0"/>
+            </a:p>
+          </p:txBody>
+        </p:sp>
+        <p:cxnSp>
+          <p:nvCxnSpPr>
+            <p:cNvPr id="83" name="Straight Connector 82"/>
+            <p:cNvCxnSpPr/>
+            <p:nvPr/>
+          </p:nvCxnSpPr>
+          <p:spPr>
+            <a:xfrm>
+              <a:off x="3950882" y="3489337"/>
+              <a:ext cx="402040" cy="0"/>
+            </a:xfrm>
+            <a:prstGeom prst="line">
+              <a:avLst/>
+            </a:prstGeom>
+            <a:ln w="25400">
+              <a:solidFill>
+                <a:schemeClr val="tx1"/>
+              </a:solidFill>
+              <a:tailEnd type="triangle" w="lg" len="med"/>
+            </a:ln>
+          </p:spPr>
+          <p:style>
+            <a:lnRef idx="1">
+              <a:schemeClr val="accent1"/>
+            </a:lnRef>
+            <a:fillRef idx="0">
+              <a:schemeClr val="accent1"/>
+            </a:fillRef>
+            <a:effectRef idx="0">
+              <a:schemeClr val="accent1"/>
+            </a:effectRef>
+            <a:fontRef idx="minor">
+              <a:schemeClr val="tx1"/>
+            </a:fontRef>
+          </p:style>
+        </p:cxnSp>
+        <p:cxnSp>
+          <p:nvCxnSpPr>
+            <p:cNvPr id="84" name="Straight Connector 83"/>
+            <p:cNvCxnSpPr/>
+            <p:nvPr/>
+          </p:nvCxnSpPr>
+          <p:spPr>
+            <a:xfrm>
+              <a:off x="3183795" y="3507529"/>
+              <a:ext cx="402040" cy="0"/>
+            </a:xfrm>
+            <a:prstGeom prst="line">
+              <a:avLst/>
+            </a:prstGeom>
+            <a:ln w="25400">
+              <a:solidFill>
+                <a:schemeClr val="tx1"/>
+              </a:solidFill>
+              <a:tailEnd type="triangle" w="lg" len="med"/>
+            </a:ln>
+          </p:spPr>
+          <p:style>
+            <a:lnRef idx="1">
+              <a:schemeClr val="accent1"/>
+            </a:lnRef>
+            <a:fillRef idx="0">
+              <a:schemeClr val="accent1"/>
+            </a:fillRef>
+            <a:effectRef idx="0">
+              <a:schemeClr val="accent1"/>
+            </a:effectRef>
+            <a:fontRef idx="minor">
+              <a:schemeClr val="tx1"/>
+            </a:fontRef>
+          </p:style>
+        </p:cxnSp>
+        <p:sp>
+          <p:nvSpPr>
+            <p:cNvPr id="85" name="Rounded Rectangle 84"/>
+            <p:cNvSpPr/>
+            <p:nvPr/>
+          </p:nvSpPr>
+          <p:spPr>
+            <a:xfrm>
+              <a:off x="4383040" y="3283684"/>
+              <a:ext cx="973282" cy="411306"/>
+            </a:xfrm>
+            <a:prstGeom prst="roundRect">
+              <a:avLst/>
+            </a:prstGeom>
+          </p:spPr>
+          <p:style>
+            <a:lnRef idx="2">
+              <a:schemeClr val="accent1">
+                <a:shade val="50000"/>
+              </a:schemeClr>
+            </a:lnRef>
+            <a:fillRef idx="1">
+              <a:schemeClr val="accent1"/>
+            </a:fillRef>
+            <a:effectRef idx="0">
+              <a:schemeClr val="accent1"/>
+            </a:effectRef>
+            <a:fontRef idx="minor">
+              <a:schemeClr val="lt1"/>
+            </a:fontRef>
+          </p:style>
+          <p:txBody>
+            <a:bodyPr rtlCol="0" anchor="ctr"/>
+            <a:lstStyle/>
+            <a:p>
+              <a:pPr algn="ctr"/>
+              <a:r>
+                <a:rPr lang="en-US" dirty="0" smtClean="0">
+                  <a:latin typeface="Arial" charset="0"/>
+                  <a:ea typeface="Arial" charset="0"/>
+                  <a:cs typeface="Arial" charset="0"/>
+                </a:rPr>
+                <a:t>Enroll</a:t>
+              </a:r>
+              <a:endParaRPr lang="en-US" dirty="0">
+                <a:latin typeface="Arial" charset="0"/>
+                <a:ea typeface="Arial" charset="0"/>
+                <a:cs typeface="Arial" charset="0"/>
+              </a:endParaRPr>
+            </a:p>
+          </p:txBody>
+        </p:sp>
+        <p:cxnSp>
+          <p:nvCxnSpPr>
+            <p:cNvPr id="86" name="Straight Connector 85"/>
+            <p:cNvCxnSpPr/>
+            <p:nvPr/>
+          </p:nvCxnSpPr>
+          <p:spPr>
+            <a:xfrm flipV="1">
+              <a:off x="4869681" y="2538897"/>
+              <a:ext cx="733484" cy="744787"/>
+            </a:xfrm>
+            <a:prstGeom prst="line">
+              <a:avLst/>
+            </a:prstGeom>
+            <a:ln w="25400">
+              <a:solidFill>
+                <a:schemeClr val="tx1"/>
+              </a:solidFill>
+              <a:tailEnd type="triangle" w="lg" len="med"/>
+            </a:ln>
+          </p:spPr>
+          <p:style>
+            <a:lnRef idx="1">
+              <a:schemeClr val="accent1"/>
+            </a:lnRef>
+            <a:fillRef idx="0">
+              <a:schemeClr val="accent1"/>
+            </a:fillRef>
+            <a:effectRef idx="0">
+              <a:schemeClr val="accent1"/>
+            </a:effectRef>
+            <a:fontRef idx="minor">
+              <a:schemeClr val="tx1"/>
+            </a:fontRef>
+          </p:style>
+        </p:cxnSp>
+        <p:cxnSp>
+          <p:nvCxnSpPr>
+            <p:cNvPr id="87" name="Straight Connector 86"/>
+            <p:cNvCxnSpPr/>
+            <p:nvPr/>
+          </p:nvCxnSpPr>
+          <p:spPr>
+            <a:xfrm>
+              <a:off x="4869681" y="3694990"/>
+              <a:ext cx="696879" cy="1056243"/>
+            </a:xfrm>
+            <a:prstGeom prst="line">
+              <a:avLst/>
+            </a:prstGeom>
+            <a:ln w="25400">
+              <a:solidFill>
+                <a:schemeClr val="tx1"/>
+              </a:solidFill>
+              <a:tailEnd type="triangle" w="lg" len="med"/>
+            </a:ln>
+          </p:spPr>
+          <p:style>
+            <a:lnRef idx="1">
+              <a:schemeClr val="accent1"/>
+            </a:lnRef>
+            <a:fillRef idx="0">
+              <a:schemeClr val="accent1"/>
+            </a:fillRef>
+            <a:effectRef idx="0">
+              <a:schemeClr val="accent1"/>
+            </a:effectRef>
+            <a:fontRef idx="minor">
+              <a:schemeClr val="tx1"/>
+            </a:fontRef>
+          </p:style>
+        </p:cxnSp>
+        <p:cxnSp>
+          <p:nvCxnSpPr>
+            <p:cNvPr id="88" name="Straight Connector 87"/>
+            <p:cNvCxnSpPr/>
+            <p:nvPr/>
+          </p:nvCxnSpPr>
+          <p:spPr>
+            <a:xfrm>
+              <a:off x="13296068" y="4037039"/>
+              <a:ext cx="0" cy="795935"/>
+            </a:xfrm>
+            <a:prstGeom prst="line">
+              <a:avLst/>
+            </a:prstGeom>
+            <a:ln w="25400">
+              <a:solidFill>
+                <a:schemeClr val="bg1">
+                  <a:lumMod val="75000"/>
+                </a:schemeClr>
+              </a:solidFill>
+            </a:ln>
+          </p:spPr>
+          <p:style>
+            <a:lnRef idx="1">
+              <a:schemeClr val="accent1"/>
+            </a:lnRef>
+            <a:fillRef idx="0">
+              <a:schemeClr val="accent1"/>
+            </a:fillRef>
+            <a:effectRef idx="0">
+              <a:schemeClr val="accent1"/>
+            </a:effectRef>
+            <a:fontRef idx="minor">
+              <a:schemeClr val="tx1"/>
+            </a:fontRef>
+          </p:style>
+        </p:cxnSp>
+        <p:sp>
+          <p:nvSpPr>
+            <p:cNvPr id="89" name="Oval 88"/>
+            <p:cNvSpPr/>
+            <p:nvPr/>
+          </p:nvSpPr>
+          <p:spPr>
+            <a:xfrm>
+              <a:off x="13132558" y="4785170"/>
+              <a:ext cx="304800" cy="304800"/>
+            </a:xfrm>
+            <a:prstGeom prst="ellipse">
+              <a:avLst/>
+            </a:prstGeom>
+            <a:solidFill>
+              <a:schemeClr val="bg1"/>
+            </a:solidFill>
+            <a:ln w="12700">
+              <a:solidFill>
+                <a:schemeClr val="tx1"/>
+              </a:solidFill>
+            </a:ln>
+          </p:spPr>
+          <p:style>
+            <a:lnRef idx="2">
+              <a:schemeClr val="accent1">
+                <a:shade val="50000"/>
+              </a:schemeClr>
+            </a:lnRef>
+            <a:fillRef idx="1">
+              <a:schemeClr val="accent1"/>
+            </a:fillRef>
+            <a:effectRef idx="0">
+              <a:schemeClr val="accent1"/>
+            </a:effectRef>
+            <a:fontRef idx="minor">
+              <a:schemeClr val="lt1"/>
+            </a:fontRef>
+          </p:style>
+          <p:txBody>
+            <a:bodyPr rtlCol="0" anchor="ctr"/>
+            <a:lstStyle/>
+            <a:p>
+              <a:pPr algn="ctr"/>
+              <a:endParaRPr lang="en-US"/>
+            </a:p>
+          </p:txBody>
+        </p:sp>
+      </p:grpSp>
     </p:spTree>
     <p:extLst>
       <p:ext uri="{BB962C8B-B14F-4D97-AF65-F5344CB8AC3E}">
